--- a/week9/week9.pptx
+++ b/week9/week9.pptx
@@ -339,7 +339,7 @@
           <a:p>
             <a:fld id="{4AAD347D-5ACD-4C99-B74B-A9C85AD731AF}" type="datetimeFigureOut">
               <a:rPr lang="en-US" dirty="0"/>
-              <a:t>5/3/2018</a:t>
+              <a:t>6/14/2018</a:t>
             </a:fld>
             <a:endParaRPr lang="en-US" dirty="0"/>
           </a:p>
@@ -609,7 +609,7 @@
           <a:p>
             <a:fld id="{4509A250-FF31-4206-8172-F9D3106AACB1}" type="datetimeFigureOut">
               <a:rPr lang="en-US" dirty="0"/>
-              <a:t>5/3/2018</a:t>
+              <a:t>6/14/2018</a:t>
             </a:fld>
             <a:endParaRPr lang="en-US" dirty="0"/>
           </a:p>
@@ -798,7 +798,7 @@
           <a:p>
             <a:fld id="{4509A250-FF31-4206-8172-F9D3106AACB1}" type="datetimeFigureOut">
               <a:rPr lang="en-US" dirty="0"/>
-              <a:t>5/3/2018</a:t>
+              <a:t>6/14/2018</a:t>
             </a:fld>
             <a:endParaRPr lang="en-US" dirty="0"/>
           </a:p>
@@ -1066,7 +1066,7 @@
           <a:p>
             <a:fld id="{4509A250-FF31-4206-8172-F9D3106AACB1}" type="datetimeFigureOut">
               <a:rPr lang="en-US" dirty="0"/>
-              <a:t>5/3/2018</a:t>
+              <a:t>6/14/2018</a:t>
             </a:fld>
             <a:endParaRPr lang="en-US" dirty="0"/>
           </a:p>
@@ -1402,7 +1402,7 @@
           <a:p>
             <a:fld id="{4509A250-FF31-4206-8172-F9D3106AACB1}" type="datetimeFigureOut">
               <a:rPr lang="en-US" dirty="0"/>
-              <a:t>5/3/2018</a:t>
+              <a:t>6/14/2018</a:t>
             </a:fld>
             <a:endParaRPr lang="en-US" dirty="0"/>
           </a:p>
@@ -2020,7 +2020,7 @@
           <a:p>
             <a:fld id="{4509A250-FF31-4206-8172-F9D3106AACB1}" type="datetimeFigureOut">
               <a:rPr lang="en-US" dirty="0"/>
-              <a:t>5/3/2018</a:t>
+              <a:t>6/14/2018</a:t>
             </a:fld>
             <a:endParaRPr lang="en-US" dirty="0"/>
           </a:p>
@@ -2875,7 +2875,7 @@
           <a:p>
             <a:fld id="{4509A250-FF31-4206-8172-F9D3106AACB1}" type="datetimeFigureOut">
               <a:rPr lang="en-US" dirty="0"/>
-              <a:t>5/3/2018</a:t>
+              <a:t>6/14/2018</a:t>
             </a:fld>
             <a:endParaRPr lang="en-US" dirty="0"/>
           </a:p>
@@ -3040,7 +3040,7 @@
           <a:p>
             <a:fld id="{4509A250-FF31-4206-8172-F9D3106AACB1}" type="datetimeFigureOut">
               <a:rPr lang="en-US" dirty="0"/>
-              <a:t>5/3/2018</a:t>
+              <a:t>6/14/2018</a:t>
             </a:fld>
             <a:endParaRPr lang="en-US" dirty="0"/>
           </a:p>
@@ -3215,7 +3215,7 @@
           <a:p>
             <a:fld id="{4509A250-FF31-4206-8172-F9D3106AACB1}" type="datetimeFigureOut">
               <a:rPr lang="en-US" dirty="0"/>
-              <a:t>5/3/2018</a:t>
+              <a:t>6/14/2018</a:t>
             </a:fld>
             <a:endParaRPr lang="en-US" dirty="0"/>
           </a:p>
@@ -3380,7 +3380,7 @@
           <a:p>
             <a:fld id="{4509A250-FF31-4206-8172-F9D3106AACB1}" type="datetimeFigureOut">
               <a:rPr lang="en-US" dirty="0"/>
-              <a:t>5/3/2018</a:t>
+              <a:t>6/14/2018</a:t>
             </a:fld>
             <a:endParaRPr lang="en-US" dirty="0"/>
           </a:p>
@@ -3622,7 +3622,7 @@
           <a:p>
             <a:fld id="{9796027F-7875-4030-9381-8BD8C4F21935}" type="datetimeFigureOut">
               <a:rPr lang="en-US" dirty="0"/>
-              <a:t>5/3/2018</a:t>
+              <a:t>6/14/2018</a:t>
             </a:fld>
             <a:endParaRPr lang="en-US" dirty="0"/>
           </a:p>
@@ -3909,7 +3909,7 @@
           <a:p>
             <a:fld id="{9796027F-7875-4030-9381-8BD8C4F21935}" type="datetimeFigureOut">
               <a:rPr lang="en-US" dirty="0"/>
-              <a:t>5/3/2018</a:t>
+              <a:t>6/14/2018</a:t>
             </a:fld>
             <a:endParaRPr lang="en-US" dirty="0"/>
           </a:p>
@@ -4348,7 +4348,7 @@
           <a:p>
             <a:fld id="{9796027F-7875-4030-9381-8BD8C4F21935}" type="datetimeFigureOut">
               <a:rPr lang="en-US" dirty="0"/>
-              <a:t>5/3/2018</a:t>
+              <a:t>6/14/2018</a:t>
             </a:fld>
             <a:endParaRPr lang="en-US" dirty="0"/>
           </a:p>
@@ -4461,7 +4461,7 @@
           <a:p>
             <a:fld id="{4509A250-FF31-4206-8172-F9D3106AACB1}" type="datetimeFigureOut">
               <a:rPr lang="en-US" dirty="0"/>
-              <a:t>5/3/2018</a:t>
+              <a:t>6/14/2018</a:t>
             </a:fld>
             <a:endParaRPr lang="en-US" dirty="0"/>
           </a:p>
@@ -4551,7 +4551,7 @@
           <a:p>
             <a:fld id="{4509A250-FF31-4206-8172-F9D3106AACB1}" type="datetimeFigureOut">
               <a:rPr lang="en-US" dirty="0"/>
-              <a:t>5/3/2018</a:t>
+              <a:t>6/14/2018</a:t>
             </a:fld>
             <a:endParaRPr lang="en-US" dirty="0"/>
           </a:p>
@@ -4825,7 +4825,7 @@
           <a:p>
             <a:fld id="{4509A250-FF31-4206-8172-F9D3106AACB1}" type="datetimeFigureOut">
               <a:rPr lang="en-US" dirty="0"/>
-              <a:t>5/3/2018</a:t>
+              <a:t>6/14/2018</a:t>
             </a:fld>
             <a:endParaRPr lang="en-US" dirty="0"/>
           </a:p>
@@ -5095,7 +5095,7 @@
           <a:p>
             <a:fld id="{4509A250-FF31-4206-8172-F9D3106AACB1}" type="datetimeFigureOut">
               <a:rPr lang="en-US" dirty="0"/>
-              <a:t>5/3/2018</a:t>
+              <a:t>6/14/2018</a:t>
             </a:fld>
             <a:endParaRPr lang="en-US" dirty="0"/>
           </a:p>
@@ -5519,7 +5519,7 @@
           <a:p>
             <a:fld id="{4AAD347D-5ACD-4C99-B74B-A9C85AD731AF}" type="datetimeFigureOut">
               <a:rPr lang="en-US" dirty="0"/>
-              <a:t>5/3/2018</a:t>
+              <a:t>6/14/2018</a:t>
             </a:fld>
             <a:endParaRPr lang="en-US" dirty="0"/>
           </a:p>
@@ -6086,7 +6086,15 @@
           <a:p>
             <a:r>
               <a:rPr lang="en-GB" dirty="0" smtClean="0"/>
-              <a:t>Week 6: PYPY MODULES AND GRAPHICS</a:t>
+              <a:t>Week </a:t>
+            </a:r>
+            <a:r>
+              <a:rPr lang="en-GB" dirty="0" smtClean="0"/>
+              <a:t>9</a:t>
+            </a:r>
+            <a:r>
+              <a:rPr lang="en-GB" smtClean="0"/>
+              <a:t>: Simulating Snakes and Ladders</a:t>
             </a:r>
             <a:endParaRPr lang="en-GB" dirty="0"/>
           </a:p>
@@ -8968,11 +8976,7 @@
           <a:p>
             <a:r>
               <a:rPr lang="en-GB" dirty="0" smtClean="0"/>
-              <a:t>Model this as a </a:t>
-            </a:r>
-            <a:r>
-              <a:rPr lang="en-GB" dirty="0" smtClean="0"/>
-              <a:t>dictionary, with the key being the square they land on after the roll, and the value being :-</a:t>
+              <a:t>Model this as a dictionary, with the key being the square they land on after the roll, and the value being :-</a:t>
             </a:r>
           </a:p>
           <a:p>
@@ -8995,7 +8999,6 @@
               <a:rPr lang="en-GB" dirty="0" smtClean="0"/>
               <a:t>The bottom of the snake if they slide down one. </a:t>
             </a:r>
-            <a:endParaRPr lang="en-GB" dirty="0" smtClean="0"/>
           </a:p>
           <a:p>
             <a:endParaRPr lang="en-GB" dirty="0">
@@ -9104,7 +9107,6 @@
               <a:rPr lang="en-GB" dirty="0" smtClean="0"/>
               <a:t>Then replace the keys for the snakes and the ladders.</a:t>
             </a:r>
-            <a:endParaRPr lang="en-GB" dirty="0" smtClean="0"/>
           </a:p>
           <a:p>
             <a:endParaRPr lang="en-GB" dirty="0">

--- a/week9/week9.pptx
+++ b/week9/week9.pptx
@@ -20,6 +20,10 @@
     <p:sldId id="297" r:id="rId14"/>
     <p:sldId id="298" r:id="rId15"/>
     <p:sldId id="299" r:id="rId16"/>
+    <p:sldId id="300" r:id="rId17"/>
+    <p:sldId id="301" r:id="rId18"/>
+    <p:sldId id="302" r:id="rId19"/>
+    <p:sldId id="303" r:id="rId20"/>
   </p:sldIdLst>
   <p:sldSz cx="12192000" cy="6858000"/>
   <p:notesSz cx="6858000" cy="9144000"/>
@@ -142,6 +146,10 @@
             <p14:sldId id="297"/>
             <p14:sldId id="298"/>
             <p14:sldId id="299"/>
+            <p14:sldId id="300"/>
+            <p14:sldId id="301"/>
+            <p14:sldId id="302"/>
+            <p14:sldId id="303"/>
           </p14:sldIdLst>
         </p14:section>
       </p14:sectionLst>
@@ -339,7 +347,7 @@
           <a:p>
             <a:fld id="{4AAD347D-5ACD-4C99-B74B-A9C85AD731AF}" type="datetimeFigureOut">
               <a:rPr lang="en-US" dirty="0"/>
-              <a:t>6/14/2018</a:t>
+              <a:t>7/3/2018</a:t>
             </a:fld>
             <a:endParaRPr lang="en-US" dirty="0"/>
           </a:p>
@@ -609,7 +617,7 @@
           <a:p>
             <a:fld id="{4509A250-FF31-4206-8172-F9D3106AACB1}" type="datetimeFigureOut">
               <a:rPr lang="en-US" dirty="0"/>
-              <a:t>6/14/2018</a:t>
+              <a:t>7/3/2018</a:t>
             </a:fld>
             <a:endParaRPr lang="en-US" dirty="0"/>
           </a:p>
@@ -798,7 +806,7 @@
           <a:p>
             <a:fld id="{4509A250-FF31-4206-8172-F9D3106AACB1}" type="datetimeFigureOut">
               <a:rPr lang="en-US" dirty="0"/>
-              <a:t>6/14/2018</a:t>
+              <a:t>7/3/2018</a:t>
             </a:fld>
             <a:endParaRPr lang="en-US" dirty="0"/>
           </a:p>
@@ -1066,7 +1074,7 @@
           <a:p>
             <a:fld id="{4509A250-FF31-4206-8172-F9D3106AACB1}" type="datetimeFigureOut">
               <a:rPr lang="en-US" dirty="0"/>
-              <a:t>6/14/2018</a:t>
+              <a:t>7/3/2018</a:t>
             </a:fld>
             <a:endParaRPr lang="en-US" dirty="0"/>
           </a:p>
@@ -1402,7 +1410,7 @@
           <a:p>
             <a:fld id="{4509A250-FF31-4206-8172-F9D3106AACB1}" type="datetimeFigureOut">
               <a:rPr lang="en-US" dirty="0"/>
-              <a:t>6/14/2018</a:t>
+              <a:t>7/3/2018</a:t>
             </a:fld>
             <a:endParaRPr lang="en-US" dirty="0"/>
           </a:p>
@@ -2020,7 +2028,7 @@
           <a:p>
             <a:fld id="{4509A250-FF31-4206-8172-F9D3106AACB1}" type="datetimeFigureOut">
               <a:rPr lang="en-US" dirty="0"/>
-              <a:t>6/14/2018</a:t>
+              <a:t>7/3/2018</a:t>
             </a:fld>
             <a:endParaRPr lang="en-US" dirty="0"/>
           </a:p>
@@ -2875,7 +2883,7 @@
           <a:p>
             <a:fld id="{4509A250-FF31-4206-8172-F9D3106AACB1}" type="datetimeFigureOut">
               <a:rPr lang="en-US" dirty="0"/>
-              <a:t>6/14/2018</a:t>
+              <a:t>7/3/2018</a:t>
             </a:fld>
             <a:endParaRPr lang="en-US" dirty="0"/>
           </a:p>
@@ -3040,7 +3048,7 @@
           <a:p>
             <a:fld id="{4509A250-FF31-4206-8172-F9D3106AACB1}" type="datetimeFigureOut">
               <a:rPr lang="en-US" dirty="0"/>
-              <a:t>6/14/2018</a:t>
+              <a:t>7/3/2018</a:t>
             </a:fld>
             <a:endParaRPr lang="en-US" dirty="0"/>
           </a:p>
@@ -3215,7 +3223,7 @@
           <a:p>
             <a:fld id="{4509A250-FF31-4206-8172-F9D3106AACB1}" type="datetimeFigureOut">
               <a:rPr lang="en-US" dirty="0"/>
-              <a:t>6/14/2018</a:t>
+              <a:t>7/3/2018</a:t>
             </a:fld>
             <a:endParaRPr lang="en-US" dirty="0"/>
           </a:p>
@@ -3380,7 +3388,7 @@
           <a:p>
             <a:fld id="{4509A250-FF31-4206-8172-F9D3106AACB1}" type="datetimeFigureOut">
               <a:rPr lang="en-US" dirty="0"/>
-              <a:t>6/14/2018</a:t>
+              <a:t>7/3/2018</a:t>
             </a:fld>
             <a:endParaRPr lang="en-US" dirty="0"/>
           </a:p>
@@ -3622,7 +3630,7 @@
           <a:p>
             <a:fld id="{9796027F-7875-4030-9381-8BD8C4F21935}" type="datetimeFigureOut">
               <a:rPr lang="en-US" dirty="0"/>
-              <a:t>6/14/2018</a:t>
+              <a:t>7/3/2018</a:t>
             </a:fld>
             <a:endParaRPr lang="en-US" dirty="0"/>
           </a:p>
@@ -3909,7 +3917,7 @@
           <a:p>
             <a:fld id="{9796027F-7875-4030-9381-8BD8C4F21935}" type="datetimeFigureOut">
               <a:rPr lang="en-US" dirty="0"/>
-              <a:t>6/14/2018</a:t>
+              <a:t>7/3/2018</a:t>
             </a:fld>
             <a:endParaRPr lang="en-US" dirty="0"/>
           </a:p>
@@ -4348,7 +4356,7 @@
           <a:p>
             <a:fld id="{9796027F-7875-4030-9381-8BD8C4F21935}" type="datetimeFigureOut">
               <a:rPr lang="en-US" dirty="0"/>
-              <a:t>6/14/2018</a:t>
+              <a:t>7/3/2018</a:t>
             </a:fld>
             <a:endParaRPr lang="en-US" dirty="0"/>
           </a:p>
@@ -4461,7 +4469,7 @@
           <a:p>
             <a:fld id="{4509A250-FF31-4206-8172-F9D3106AACB1}" type="datetimeFigureOut">
               <a:rPr lang="en-US" dirty="0"/>
-              <a:t>6/14/2018</a:t>
+              <a:t>7/3/2018</a:t>
             </a:fld>
             <a:endParaRPr lang="en-US" dirty="0"/>
           </a:p>
@@ -4551,7 +4559,7 @@
           <a:p>
             <a:fld id="{4509A250-FF31-4206-8172-F9D3106AACB1}" type="datetimeFigureOut">
               <a:rPr lang="en-US" dirty="0"/>
-              <a:t>6/14/2018</a:t>
+              <a:t>7/3/2018</a:t>
             </a:fld>
             <a:endParaRPr lang="en-US" dirty="0"/>
           </a:p>
@@ -4825,7 +4833,7 @@
           <a:p>
             <a:fld id="{4509A250-FF31-4206-8172-F9D3106AACB1}" type="datetimeFigureOut">
               <a:rPr lang="en-US" dirty="0"/>
-              <a:t>6/14/2018</a:t>
+              <a:t>7/3/2018</a:t>
             </a:fld>
             <a:endParaRPr lang="en-US" dirty="0"/>
           </a:p>
@@ -5095,7 +5103,7 @@
           <a:p>
             <a:fld id="{4509A250-FF31-4206-8172-F9D3106AACB1}" type="datetimeFigureOut">
               <a:rPr lang="en-US" dirty="0"/>
-              <a:t>6/14/2018</a:t>
+              <a:t>7/3/2018</a:t>
             </a:fld>
             <a:endParaRPr lang="en-US" dirty="0"/>
           </a:p>
@@ -5519,7 +5527,7 @@
           <a:p>
             <a:fld id="{4AAD347D-5ACD-4C99-B74B-A9C85AD731AF}" type="datetimeFigureOut">
               <a:rPr lang="en-US" dirty="0"/>
-              <a:t>6/14/2018</a:t>
+              <a:t>7/3/2018</a:t>
             </a:fld>
             <a:endParaRPr lang="en-US" dirty="0"/>
           </a:p>
@@ -6086,11 +6094,7 @@
           <a:p>
             <a:r>
               <a:rPr lang="en-GB" dirty="0" smtClean="0"/>
-              <a:t>Week </a:t>
-            </a:r>
-            <a:r>
-              <a:rPr lang="en-GB" dirty="0" smtClean="0"/>
-              <a:t>9</a:t>
+              <a:t>Week 9</a:t>
             </a:r>
             <a:r>
               <a:rPr lang="en-GB" smtClean="0"/>
@@ -7899,6 +7903,484 @@
     <p:extLst>
       <p:ext uri="{BB962C8B-B14F-4D97-AF65-F5344CB8AC3E}">
         <p14:creationId xmlns:p14="http://schemas.microsoft.com/office/powerpoint/2010/main" val="2064038538"/>
+      </p:ext>
+    </p:extLst>
+  </p:cSld>
+  <p:clrMapOvr>
+    <a:masterClrMapping/>
+  </p:clrMapOvr>
+</p:sld>
+</file>
+
+<file path=ppt/slides/slide16.xml><?xml version="1.0" encoding="utf-8"?>
+<p:sld xmlns:a="http://schemas.openxmlformats.org/drawingml/2006/main" xmlns:r="http://schemas.openxmlformats.org/officeDocument/2006/relationships" xmlns:p="http://schemas.openxmlformats.org/presentationml/2006/main">
+  <p:cSld>
+    <p:spTree>
+      <p:nvGrpSpPr>
+        <p:cNvPr id="1" name=""/>
+        <p:cNvGrpSpPr/>
+        <p:nvPr/>
+      </p:nvGrpSpPr>
+      <p:grpSpPr>
+        <a:xfrm>
+          <a:off x="0" y="0"/>
+          <a:ext cx="0" cy="0"/>
+          <a:chOff x="0" y="0"/>
+          <a:chExt cx="0" cy="0"/>
+        </a:xfrm>
+      </p:grpSpPr>
+      <p:sp>
+        <p:nvSpPr>
+          <p:cNvPr id="2" name="Title 1"/>
+          <p:cNvSpPr>
+            <a:spLocks noGrp="1"/>
+          </p:cNvSpPr>
+          <p:nvPr>
+            <p:ph type="title"/>
+          </p:nvPr>
+        </p:nvSpPr>
+        <p:spPr/>
+        <p:txBody>
+          <a:bodyPr/>
+          <a:lstStyle/>
+          <a:p>
+            <a:r>
+              <a:rPr lang="en-GB" sz="3200" dirty="0" smtClean="0"/>
+              <a:t>Homework</a:t>
+            </a:r>
+            <a:endParaRPr lang="en-GB" sz="3200" dirty="0"/>
+          </a:p>
+        </p:txBody>
+      </p:sp>
+      <p:pic>
+        <p:nvPicPr>
+          <p:cNvPr id="1026" name="Picture 2" descr="Image result for homework images"/>
+          <p:cNvPicPr>
+            <a:picLocks noChangeAspect="1" noChangeArrowheads="1"/>
+          </p:cNvPicPr>
+          <p:nvPr/>
+        </p:nvPicPr>
+        <p:blipFill>
+          <a:blip r:embed="rId2">
+            <a:extLst>
+              <a:ext uri="{28A0092B-C50C-407E-A947-70E740481C1C}">
+                <a14:useLocalDpi xmlns:a14="http://schemas.microsoft.com/office/drawing/2010/main" val="0"/>
+              </a:ext>
+            </a:extLst>
+          </a:blip>
+          <a:srcRect/>
+          <a:stretch>
+            <a:fillRect/>
+          </a:stretch>
+        </p:blipFill>
+        <p:spPr bwMode="auto">
+          <a:xfrm>
+            <a:off x="3541326" y="1424880"/>
+            <a:ext cx="4441139" cy="4529964"/>
+          </a:xfrm>
+          <a:prstGeom prst="rect">
+            <a:avLst/>
+          </a:prstGeom>
+          <a:noFill/>
+          <a:extLst>
+            <a:ext uri="{909E8E84-426E-40DD-AFC4-6F175D3DCCD1}">
+              <a14:hiddenFill xmlns:a14="http://schemas.microsoft.com/office/drawing/2010/main">
+                <a:solidFill>
+                  <a:srgbClr val="FFFFFF"/>
+                </a:solidFill>
+              </a14:hiddenFill>
+            </a:ext>
+          </a:extLst>
+        </p:spPr>
+      </p:pic>
+    </p:spTree>
+    <p:extLst>
+      <p:ext uri="{BB962C8B-B14F-4D97-AF65-F5344CB8AC3E}">
+        <p14:creationId xmlns:p14="http://schemas.microsoft.com/office/powerpoint/2010/main" val="308580716"/>
+      </p:ext>
+    </p:extLst>
+  </p:cSld>
+  <p:clrMapOvr>
+    <a:masterClrMapping/>
+  </p:clrMapOvr>
+</p:sld>
+</file>
+
+<file path=ppt/slides/slide17.xml><?xml version="1.0" encoding="utf-8"?>
+<p:sld xmlns:a="http://schemas.openxmlformats.org/drawingml/2006/main" xmlns:r="http://schemas.openxmlformats.org/officeDocument/2006/relationships" xmlns:p="http://schemas.openxmlformats.org/presentationml/2006/main">
+  <p:cSld>
+    <p:spTree>
+      <p:nvGrpSpPr>
+        <p:cNvPr id="1" name=""/>
+        <p:cNvGrpSpPr/>
+        <p:nvPr/>
+      </p:nvGrpSpPr>
+      <p:grpSpPr>
+        <a:xfrm>
+          <a:off x="0" y="0"/>
+          <a:ext cx="0" cy="0"/>
+          <a:chOff x="0" y="0"/>
+          <a:chExt cx="0" cy="0"/>
+        </a:xfrm>
+      </p:grpSpPr>
+      <p:sp>
+        <p:nvSpPr>
+          <p:cNvPr id="2" name="Title 1"/>
+          <p:cNvSpPr>
+            <a:spLocks noGrp="1"/>
+          </p:cNvSpPr>
+          <p:nvPr>
+            <p:ph type="title"/>
+          </p:nvPr>
+        </p:nvSpPr>
+        <p:spPr/>
+        <p:txBody>
+          <a:bodyPr/>
+          <a:lstStyle/>
+          <a:p>
+            <a:r>
+              <a:rPr lang="en-GB" sz="3200" dirty="0" smtClean="0"/>
+              <a:t>Homework 1</a:t>
+            </a:r>
+            <a:endParaRPr lang="en-GB" sz="3200" dirty="0"/>
+          </a:p>
+        </p:txBody>
+      </p:sp>
+      <p:sp>
+        <p:nvSpPr>
+          <p:cNvPr id="4" name="Content Placeholder 2"/>
+          <p:cNvSpPr>
+            <a:spLocks noGrp="1"/>
+          </p:cNvSpPr>
+          <p:nvPr>
+            <p:ph idx="1"/>
+          </p:nvPr>
+        </p:nvSpPr>
+        <p:spPr>
+          <a:xfrm>
+            <a:off x="1103313" y="1418898"/>
+            <a:ext cx="9285678" cy="4829502"/>
+          </a:xfrm>
+        </p:spPr>
+        <p:txBody>
+          <a:bodyPr>
+            <a:normAutofit fontScale="92500" lnSpcReduction="10000"/>
+          </a:bodyPr>
+          <a:lstStyle/>
+          <a:p>
+            <a:r>
+              <a:rPr lang="en-GB" dirty="0"/>
+              <a:t>Start with the last example.</a:t>
+            </a:r>
+          </a:p>
+          <a:p>
+            <a:endParaRPr lang="en-GB" dirty="0"/>
+          </a:p>
+          <a:p>
+            <a:r>
+              <a:rPr lang="en-GB" dirty="0"/>
+              <a:t>Add a rule that requires you to you to roll a 6 before you can start to play the game.</a:t>
+            </a:r>
+          </a:p>
+          <a:p>
+            <a:r>
+              <a:rPr lang="en-GB" dirty="0"/>
+              <a:t>Count each attempt to roll a 6 as a "turn"</a:t>
+            </a:r>
+          </a:p>
+          <a:p>
+            <a:r>
+              <a:rPr lang="en-GB" dirty="0"/>
+              <a:t>Once you roll a 6, you don't move that turn. Instead, you CAN move the next turn.</a:t>
+            </a:r>
+          </a:p>
+          <a:p>
+            <a:endParaRPr lang="en-GB" dirty="0"/>
+          </a:p>
+          <a:p>
+            <a:r>
+              <a:rPr lang="en-GB" dirty="0"/>
+              <a:t>So the minimum game length would now be something like rolling</a:t>
+            </a:r>
+          </a:p>
+          <a:p>
+            <a:pPr lvl="1"/>
+            <a:r>
+              <a:rPr lang="en-GB" dirty="0"/>
+              <a:t>6, 2, 6, </a:t>
+            </a:r>
+            <a:r>
+              <a:rPr lang="en-GB" dirty="0" smtClean="0"/>
+              <a:t>2</a:t>
+            </a:r>
+          </a:p>
+          <a:p>
+            <a:pPr lvl="1"/>
+            <a:endParaRPr lang="en-GB" dirty="0"/>
+          </a:p>
+          <a:p>
+            <a:r>
+              <a:rPr lang="en-GB" dirty="0" smtClean="0"/>
+              <a:t>Run the program and see how it changes how long the game takes (on average) to complete.</a:t>
+            </a:r>
+            <a:endParaRPr lang="en-GB" dirty="0"/>
+          </a:p>
+          <a:p>
+            <a:pPr marL="0" indent="0">
+              <a:buNone/>
+            </a:pPr>
+            <a:endParaRPr lang="en-GB" dirty="0" smtClean="0"/>
+          </a:p>
+        </p:txBody>
+      </p:sp>
+    </p:spTree>
+    <p:extLst>
+      <p:ext uri="{BB962C8B-B14F-4D97-AF65-F5344CB8AC3E}">
+        <p14:creationId xmlns:p14="http://schemas.microsoft.com/office/powerpoint/2010/main" val="876603950"/>
+      </p:ext>
+    </p:extLst>
+  </p:cSld>
+  <p:clrMapOvr>
+    <a:masterClrMapping/>
+  </p:clrMapOvr>
+</p:sld>
+</file>
+
+<file path=ppt/slides/slide18.xml><?xml version="1.0" encoding="utf-8"?>
+<p:sld xmlns:a="http://schemas.openxmlformats.org/drawingml/2006/main" xmlns:r="http://schemas.openxmlformats.org/officeDocument/2006/relationships" xmlns:p="http://schemas.openxmlformats.org/presentationml/2006/main">
+  <p:cSld>
+    <p:spTree>
+      <p:nvGrpSpPr>
+        <p:cNvPr id="1" name=""/>
+        <p:cNvGrpSpPr/>
+        <p:nvPr/>
+      </p:nvGrpSpPr>
+      <p:grpSpPr>
+        <a:xfrm>
+          <a:off x="0" y="0"/>
+          <a:ext cx="0" cy="0"/>
+          <a:chOff x="0" y="0"/>
+          <a:chExt cx="0" cy="0"/>
+        </a:xfrm>
+      </p:grpSpPr>
+      <p:sp>
+        <p:nvSpPr>
+          <p:cNvPr id="2" name="Title 1"/>
+          <p:cNvSpPr>
+            <a:spLocks noGrp="1"/>
+          </p:cNvSpPr>
+          <p:nvPr>
+            <p:ph type="title"/>
+          </p:nvPr>
+        </p:nvSpPr>
+        <p:spPr/>
+        <p:txBody>
+          <a:bodyPr/>
+          <a:lstStyle/>
+          <a:p>
+            <a:r>
+              <a:rPr lang="en-GB" sz="3200" dirty="0" smtClean="0"/>
+              <a:t>Homework 2</a:t>
+            </a:r>
+            <a:endParaRPr lang="en-GB" sz="3200" dirty="0"/>
+          </a:p>
+        </p:txBody>
+      </p:sp>
+      <p:sp>
+        <p:nvSpPr>
+          <p:cNvPr id="4" name="Content Placeholder 2"/>
+          <p:cNvSpPr>
+            <a:spLocks noGrp="1"/>
+          </p:cNvSpPr>
+          <p:nvPr>
+            <p:ph idx="1"/>
+          </p:nvPr>
+        </p:nvSpPr>
+        <p:spPr>
+          <a:xfrm>
+            <a:off x="1103313" y="1418898"/>
+            <a:ext cx="4288494" cy="5131676"/>
+          </a:xfrm>
+        </p:spPr>
+        <p:txBody>
+          <a:bodyPr>
+            <a:normAutofit/>
+          </a:bodyPr>
+          <a:lstStyle/>
+          <a:p>
+            <a:r>
+              <a:rPr lang="en-GB" dirty="0"/>
+              <a:t>Start with the </a:t>
+            </a:r>
+            <a:r>
+              <a:rPr lang="en-GB" dirty="0" smtClean="0"/>
+              <a:t>previous Homework, or with my version.</a:t>
+            </a:r>
+            <a:endParaRPr lang="en-GB" dirty="0"/>
+          </a:p>
+          <a:p>
+            <a:endParaRPr lang="en-GB" dirty="0"/>
+          </a:p>
+          <a:p>
+            <a:r>
+              <a:rPr lang="en-GB" dirty="0" smtClean="0"/>
+              <a:t>Add to the title of the graph the average (mean) number of turns to play a game.</a:t>
+            </a:r>
+          </a:p>
+          <a:p>
+            <a:endParaRPr lang="en-GB" dirty="0"/>
+          </a:p>
+          <a:p>
+            <a:r>
+              <a:rPr lang="en-GB" dirty="0" smtClean="0"/>
+              <a:t>Output should look something like the example on the right.</a:t>
+            </a:r>
+            <a:endParaRPr lang="en-GB" dirty="0" smtClean="0"/>
+          </a:p>
+        </p:txBody>
+      </p:sp>
+      <p:pic>
+        <p:nvPicPr>
+          <p:cNvPr id="3" name="Picture 2"/>
+          <p:cNvPicPr>
+            <a:picLocks noChangeAspect="1"/>
+          </p:cNvPicPr>
+          <p:nvPr/>
+        </p:nvPicPr>
+        <p:blipFill>
+          <a:blip r:embed="rId2"/>
+          <a:stretch>
+            <a:fillRect/>
+          </a:stretch>
+        </p:blipFill>
+        <p:spPr>
+          <a:xfrm>
+            <a:off x="5571546" y="3310759"/>
+            <a:ext cx="5274647" cy="3239815"/>
+          </a:xfrm>
+          <a:prstGeom prst="rect">
+            <a:avLst/>
+          </a:prstGeom>
+        </p:spPr>
+      </p:pic>
+    </p:spTree>
+    <p:extLst>
+      <p:ext uri="{BB962C8B-B14F-4D97-AF65-F5344CB8AC3E}">
+        <p14:creationId xmlns:p14="http://schemas.microsoft.com/office/powerpoint/2010/main" val="4196826436"/>
+      </p:ext>
+    </p:extLst>
+  </p:cSld>
+  <p:clrMapOvr>
+    <a:masterClrMapping/>
+  </p:clrMapOvr>
+</p:sld>
+</file>
+
+<file path=ppt/slides/slide19.xml><?xml version="1.0" encoding="utf-8"?>
+<p:sld xmlns:a="http://schemas.openxmlformats.org/drawingml/2006/main" xmlns:r="http://schemas.openxmlformats.org/officeDocument/2006/relationships" xmlns:p="http://schemas.openxmlformats.org/presentationml/2006/main">
+  <p:cSld>
+    <p:spTree>
+      <p:nvGrpSpPr>
+        <p:cNvPr id="1" name=""/>
+        <p:cNvGrpSpPr/>
+        <p:nvPr/>
+      </p:nvGrpSpPr>
+      <p:grpSpPr>
+        <a:xfrm>
+          <a:off x="0" y="0"/>
+          <a:ext cx="0" cy="0"/>
+          <a:chOff x="0" y="0"/>
+          <a:chExt cx="0" cy="0"/>
+        </a:xfrm>
+      </p:grpSpPr>
+      <p:sp>
+        <p:nvSpPr>
+          <p:cNvPr id="2" name="Title 1"/>
+          <p:cNvSpPr>
+            <a:spLocks noGrp="1"/>
+          </p:cNvSpPr>
+          <p:nvPr>
+            <p:ph type="title"/>
+          </p:nvPr>
+        </p:nvSpPr>
+        <p:spPr/>
+        <p:txBody>
+          <a:bodyPr/>
+          <a:lstStyle/>
+          <a:p>
+            <a:r>
+              <a:rPr lang="en-GB" sz="3200" dirty="0" smtClean="0"/>
+              <a:t>Homework 3</a:t>
+            </a:r>
+            <a:endParaRPr lang="en-GB" sz="3200" dirty="0"/>
+          </a:p>
+        </p:txBody>
+      </p:sp>
+      <p:sp>
+        <p:nvSpPr>
+          <p:cNvPr id="4" name="Content Placeholder 2"/>
+          <p:cNvSpPr>
+            <a:spLocks noGrp="1"/>
+          </p:cNvSpPr>
+          <p:nvPr>
+            <p:ph idx="1"/>
+          </p:nvPr>
+        </p:nvSpPr>
+        <p:spPr>
+          <a:xfrm>
+            <a:off x="1103312" y="1418898"/>
+            <a:ext cx="8947521" cy="5131676"/>
+          </a:xfrm>
+        </p:spPr>
+        <p:txBody>
+          <a:bodyPr>
+            <a:normAutofit/>
+          </a:bodyPr>
+          <a:lstStyle/>
+          <a:p>
+            <a:r>
+              <a:rPr lang="en-GB" dirty="0" smtClean="0"/>
+              <a:t>Read my version of homework 3.</a:t>
+            </a:r>
+          </a:p>
+          <a:p>
+            <a:endParaRPr lang="en-GB" dirty="0"/>
+          </a:p>
+          <a:p>
+            <a:r>
+              <a:rPr lang="en-GB" dirty="0" smtClean="0"/>
+              <a:t>What does it use that you haven't yet used ?</a:t>
+            </a:r>
+          </a:p>
+          <a:p>
+            <a:r>
+              <a:rPr lang="en-GB" dirty="0" smtClean="0"/>
+              <a:t>Where would you find documentation on that feature ?</a:t>
+            </a:r>
+          </a:p>
+          <a:p>
+            <a:endParaRPr lang="en-GB" dirty="0" smtClean="0"/>
+          </a:p>
+          <a:p>
+            <a:r>
+              <a:rPr lang="en-GB" dirty="0" smtClean="0"/>
+              <a:t>Add comments explaining parts of the code to it, and send them to me </a:t>
+            </a:r>
+            <a:r>
+              <a:rPr lang="en-GB" smtClean="0"/>
+              <a:t>for review.</a:t>
+            </a:r>
+            <a:endParaRPr lang="en-GB" dirty="0"/>
+          </a:p>
+          <a:p>
+            <a:endParaRPr lang="en-GB" dirty="0" smtClean="0"/>
+          </a:p>
+        </p:txBody>
+      </p:sp>
+    </p:spTree>
+    <p:extLst>
+      <p:ext uri="{BB962C8B-B14F-4D97-AF65-F5344CB8AC3E}">
+        <p14:creationId xmlns:p14="http://schemas.microsoft.com/office/powerpoint/2010/main" val="3826013783"/>
       </p:ext>
     </p:extLst>
   </p:cSld>

--- a/week9/week9.pptx
+++ b/week9/week9.pptx
@@ -203,7 +203,7 @@
           </a:lstStyle>
           <a:p>
             <a:r>
-              <a:rPr lang="en-US" smtClean="0"/>
+              <a:rPr lang="en-US"/>
               <a:t>Click to edit Master title style</a:t>
             </a:r>
             <a:endParaRPr lang="en-US" dirty="0"/>
@@ -323,7 +323,7 @@
           </a:lstStyle>
           <a:p>
             <a:r>
-              <a:rPr lang="en-US" smtClean="0"/>
+              <a:rPr lang="en-US"/>
               <a:t>Click to edit Master subtitle style</a:t>
             </a:r>
             <a:endParaRPr lang="en-US" dirty="0"/>
@@ -347,7 +347,7 @@
           <a:p>
             <a:fld id="{4AAD347D-5ACD-4C99-B74B-A9C85AD731AF}" type="datetimeFigureOut">
               <a:rPr lang="en-US" dirty="0"/>
-              <a:t>7/3/2018</a:t>
+              <a:t>9/16/2018</a:t>
             </a:fld>
             <a:endParaRPr lang="en-US" dirty="0"/>
           </a:p>
@@ -447,7 +447,7 @@
           </a:lstStyle>
           <a:p>
             <a:r>
-              <a:rPr lang="en-US" smtClean="0"/>
+              <a:rPr lang="en-US"/>
               <a:t>Click to edit Master title style</a:t>
             </a:r>
             <a:endParaRPr lang="en-US" dirty="0"/>
@@ -526,7 +526,7 @@
           </a:lstStyle>
           <a:p>
             <a:r>
-              <a:rPr lang="en-US" smtClean="0"/>
+              <a:rPr lang="en-US"/>
               <a:t>Click icon to add picture</a:t>
             </a:r>
             <a:endParaRPr lang="en-US" dirty="0"/>
@@ -594,7 +594,7 @@
           <a:p>
             <a:pPr lvl="0"/>
             <a:r>
-              <a:rPr lang="en-US" smtClean="0"/>
+              <a:rPr lang="en-US"/>
               <a:t>Click to edit Master text styles</a:t>
             </a:r>
           </a:p>
@@ -617,7 +617,7 @@
           <a:p>
             <a:fld id="{4509A250-FF31-4206-8172-F9D3106AACB1}" type="datetimeFigureOut">
               <a:rPr lang="en-US" dirty="0"/>
-              <a:t>7/3/2018</a:t>
+              <a:t>9/16/2018</a:t>
             </a:fld>
             <a:endParaRPr lang="en-US" dirty="0"/>
           </a:p>
@@ -715,7 +715,7 @@
           </a:lstStyle>
           <a:p>
             <a:r>
-              <a:rPr lang="en-US" smtClean="0"/>
+              <a:rPr lang="en-US"/>
               <a:t>Click to edit Master title style</a:t>
             </a:r>
             <a:endParaRPr lang="en-US" dirty="0"/>
@@ -783,7 +783,7 @@
           <a:p>
             <a:pPr lvl="0"/>
             <a:r>
-              <a:rPr lang="en-US" smtClean="0"/>
+              <a:rPr lang="en-US"/>
               <a:t>Click to edit Master text styles</a:t>
             </a:r>
           </a:p>
@@ -806,7 +806,7 @@
           <a:p>
             <a:fld id="{4509A250-FF31-4206-8172-F9D3106AACB1}" type="datetimeFigureOut">
               <a:rPr lang="en-US" dirty="0"/>
-              <a:t>7/3/2018</a:t>
+              <a:t>9/16/2018</a:t>
             </a:fld>
             <a:endParaRPr lang="en-US" dirty="0"/>
           </a:p>
@@ -904,7 +904,7 @@
           </a:lstStyle>
           <a:p>
             <a:r>
-              <a:rPr lang="en-US" smtClean="0"/>
+              <a:rPr lang="en-US"/>
               <a:t>Click to edit Master title style</a:t>
             </a:r>
             <a:endParaRPr lang="en-US" dirty="0"/>
@@ -984,7 +984,7 @@
               <a:buNone/>
             </a:pPr>
             <a:r>
-              <a:rPr lang="en-US" smtClean="0"/>
+              <a:rPr lang="en-US"/>
               <a:t>Click to edit Master text styles</a:t>
             </a:r>
           </a:p>
@@ -1051,7 +1051,7 @@
           <a:p>
             <a:pPr lvl="0"/>
             <a:r>
-              <a:rPr lang="en-US" smtClean="0"/>
+              <a:rPr lang="en-US"/>
               <a:t>Click to edit Master text styles</a:t>
             </a:r>
           </a:p>
@@ -1074,7 +1074,7 @@
           <a:p>
             <a:fld id="{4509A250-FF31-4206-8172-F9D3106AACB1}" type="datetimeFigureOut">
               <a:rPr lang="en-US" dirty="0"/>
-              <a:t>7/3/2018</a:t>
+              <a:t>9/16/2018</a:t>
             </a:fld>
             <a:endParaRPr lang="en-US" dirty="0"/>
           </a:p>
@@ -1266,7 +1266,7 @@
           </a:lstStyle>
           <a:p>
             <a:r>
-              <a:rPr lang="en-US" smtClean="0"/>
+              <a:rPr lang="en-US"/>
               <a:t>Click to edit Master title style</a:t>
             </a:r>
             <a:endParaRPr lang="en-US" dirty="0"/>
@@ -1387,7 +1387,7 @@
           <a:p>
             <a:pPr lvl="0"/>
             <a:r>
-              <a:rPr lang="en-US" smtClean="0"/>
+              <a:rPr lang="en-US"/>
               <a:t>Click to edit Master text styles</a:t>
             </a:r>
           </a:p>
@@ -1410,7 +1410,7 @@
           <a:p>
             <a:fld id="{4509A250-FF31-4206-8172-F9D3106AACB1}" type="datetimeFigureOut">
               <a:rPr lang="en-US" dirty="0"/>
-              <a:t>7/3/2018</a:t>
+              <a:t>9/16/2018</a:t>
             </a:fld>
             <a:endParaRPr lang="en-US" dirty="0"/>
           </a:p>
@@ -1503,7 +1503,7 @@
           </a:lstStyle>
           <a:p>
             <a:r>
-              <a:rPr lang="en-US" smtClean="0"/>
+              <a:rPr lang="en-US"/>
               <a:t>Click to edit Master title style</a:t>
             </a:r>
             <a:endParaRPr lang="en-US" dirty="0"/>
@@ -1578,7 +1578,7 @@
           <a:p>
             <a:pPr lvl="0"/>
             <a:r>
-              <a:rPr lang="en-US" smtClean="0"/>
+              <a:rPr lang="en-US"/>
               <a:t>Click to edit Master text styles</a:t>
             </a:r>
           </a:p>
@@ -1645,7 +1645,7 @@
           <a:p>
             <a:pPr lvl="0"/>
             <a:r>
-              <a:rPr lang="en-US" smtClean="0"/>
+              <a:rPr lang="en-US"/>
               <a:t>Click to edit Master text styles</a:t>
             </a:r>
           </a:p>
@@ -1719,7 +1719,7 @@
           <a:p>
             <a:pPr lvl="0"/>
             <a:r>
-              <a:rPr lang="en-US" smtClean="0"/>
+              <a:rPr lang="en-US"/>
               <a:t>Click to edit Master text styles</a:t>
             </a:r>
           </a:p>
@@ -1786,7 +1786,7 @@
           <a:p>
             <a:pPr lvl="0"/>
             <a:r>
-              <a:rPr lang="en-US" smtClean="0"/>
+              <a:rPr lang="en-US"/>
               <a:t>Click to edit Master text styles</a:t>
             </a:r>
           </a:p>
@@ -1860,7 +1860,7 @@
           <a:p>
             <a:pPr lvl="0"/>
             <a:r>
-              <a:rPr lang="en-US" smtClean="0"/>
+              <a:rPr lang="en-US"/>
               <a:t>Click to edit Master text styles</a:t>
             </a:r>
           </a:p>
@@ -1927,7 +1927,7 @@
           <a:p>
             <a:pPr lvl="0"/>
             <a:r>
-              <a:rPr lang="en-US" smtClean="0"/>
+              <a:rPr lang="en-US"/>
               <a:t>Click to edit Master text styles</a:t>
             </a:r>
           </a:p>
@@ -2028,7 +2028,7 @@
           <a:p>
             <a:fld id="{4509A250-FF31-4206-8172-F9D3106AACB1}" type="datetimeFigureOut">
               <a:rPr lang="en-US" dirty="0"/>
-              <a:t>7/3/2018</a:t>
+              <a:t>9/16/2018</a:t>
             </a:fld>
             <a:endParaRPr lang="en-US" dirty="0"/>
           </a:p>
@@ -2121,7 +2121,7 @@
           </a:lstStyle>
           <a:p>
             <a:r>
-              <a:rPr lang="en-US" smtClean="0"/>
+              <a:rPr lang="en-US"/>
               <a:t>Click to edit Master title style</a:t>
             </a:r>
             <a:endParaRPr lang="en-US" dirty="0"/>
@@ -2196,7 +2196,7 @@
           <a:p>
             <a:pPr lvl="0"/>
             <a:r>
-              <a:rPr lang="en-US" smtClean="0"/>
+              <a:rPr lang="en-US"/>
               <a:t>Click to edit Master text styles</a:t>
             </a:r>
           </a:p>
@@ -2274,7 +2274,7 @@
           </a:lstStyle>
           <a:p>
             <a:r>
-              <a:rPr lang="en-US" smtClean="0"/>
+              <a:rPr lang="en-US"/>
               <a:t>Click icon to add picture</a:t>
             </a:r>
             <a:endParaRPr lang="en-US" dirty="0"/>
@@ -2342,7 +2342,7 @@
           <a:p>
             <a:pPr lvl="0"/>
             <a:r>
-              <a:rPr lang="en-US" smtClean="0"/>
+              <a:rPr lang="en-US"/>
               <a:t>Click to edit Master text styles</a:t>
             </a:r>
           </a:p>
@@ -2416,7 +2416,7 @@
           <a:p>
             <a:pPr lvl="0"/>
             <a:r>
-              <a:rPr lang="en-US" smtClean="0"/>
+              <a:rPr lang="en-US"/>
               <a:t>Click to edit Master text styles</a:t>
             </a:r>
           </a:p>
@@ -2494,7 +2494,7 @@
           </a:lstStyle>
           <a:p>
             <a:r>
-              <a:rPr lang="en-US" smtClean="0"/>
+              <a:rPr lang="en-US"/>
               <a:t>Click icon to add picture</a:t>
             </a:r>
             <a:endParaRPr lang="en-US" dirty="0"/>
@@ -2562,7 +2562,7 @@
           <a:p>
             <a:pPr lvl="0"/>
             <a:r>
-              <a:rPr lang="en-US" smtClean="0"/>
+              <a:rPr lang="en-US"/>
               <a:t>Click to edit Master text styles</a:t>
             </a:r>
           </a:p>
@@ -2636,7 +2636,7 @@
           <a:p>
             <a:pPr lvl="0"/>
             <a:r>
-              <a:rPr lang="en-US" smtClean="0"/>
+              <a:rPr lang="en-US"/>
               <a:t>Click to edit Master text styles</a:t>
             </a:r>
           </a:p>
@@ -2714,7 +2714,7 @@
           </a:lstStyle>
           <a:p>
             <a:r>
-              <a:rPr lang="en-US" smtClean="0"/>
+              <a:rPr lang="en-US"/>
               <a:t>Click icon to add picture</a:t>
             </a:r>
             <a:endParaRPr lang="en-US" dirty="0"/>
@@ -2782,7 +2782,7 @@
           <a:p>
             <a:pPr lvl="0"/>
             <a:r>
-              <a:rPr lang="en-US" smtClean="0"/>
+              <a:rPr lang="en-US"/>
               <a:t>Click to edit Master text styles</a:t>
             </a:r>
           </a:p>
@@ -2883,7 +2883,7 @@
           <a:p>
             <a:fld id="{4509A250-FF31-4206-8172-F9D3106AACB1}" type="datetimeFigureOut">
               <a:rPr lang="en-US" dirty="0"/>
-              <a:t>7/3/2018</a:t>
+              <a:t>9/16/2018</a:t>
             </a:fld>
             <a:endParaRPr lang="en-US" dirty="0"/>
           </a:p>
@@ -2972,7 +2972,7 @@
           <a:lstStyle/>
           <a:p>
             <a:r>
-              <a:rPr lang="en-US" smtClean="0"/>
+              <a:rPr lang="en-US"/>
               <a:t>Click to edit Master title style</a:t>
             </a:r>
             <a:endParaRPr lang="en-US" dirty="0"/>
@@ -2996,35 +2996,35 @@
           <a:p>
             <a:pPr lvl="0"/>
             <a:r>
-              <a:rPr lang="en-US" smtClean="0"/>
+              <a:rPr lang="en-US"/>
               <a:t>Click to edit Master text styles</a:t>
             </a:r>
           </a:p>
           <a:p>
             <a:pPr lvl="1"/>
             <a:r>
-              <a:rPr lang="en-US" smtClean="0"/>
+              <a:rPr lang="en-US"/>
               <a:t>Second level</a:t>
             </a:r>
           </a:p>
           <a:p>
             <a:pPr lvl="2"/>
             <a:r>
-              <a:rPr lang="en-US" smtClean="0"/>
+              <a:rPr lang="en-US"/>
               <a:t>Third level</a:t>
             </a:r>
           </a:p>
           <a:p>
             <a:pPr lvl="3"/>
             <a:r>
-              <a:rPr lang="en-US" smtClean="0"/>
+              <a:rPr lang="en-US"/>
               <a:t>Fourth level</a:t>
             </a:r>
           </a:p>
           <a:p>
             <a:pPr lvl="4"/>
             <a:r>
-              <a:rPr lang="en-US" smtClean="0"/>
+              <a:rPr lang="en-US"/>
               <a:t>Fifth level</a:t>
             </a:r>
             <a:endParaRPr lang="en-US" dirty="0"/>
@@ -3048,7 +3048,7 @@
           <a:p>
             <a:fld id="{4509A250-FF31-4206-8172-F9D3106AACB1}" type="datetimeFigureOut">
               <a:rPr lang="en-US" dirty="0"/>
-              <a:t>7/3/2018</a:t>
+              <a:t>9/16/2018</a:t>
             </a:fld>
             <a:endParaRPr lang="en-US" dirty="0"/>
           </a:p>
@@ -3142,7 +3142,7 @@
           <a:lstStyle/>
           <a:p>
             <a:r>
-              <a:rPr lang="en-US" smtClean="0"/>
+              <a:rPr lang="en-US"/>
               <a:t>Click to edit Master title style</a:t>
             </a:r>
             <a:endParaRPr lang="en-US" dirty="0"/>
@@ -3171,35 +3171,35 @@
           <a:p>
             <a:pPr lvl="0"/>
             <a:r>
-              <a:rPr lang="en-US" smtClean="0"/>
+              <a:rPr lang="en-US"/>
               <a:t>Click to edit Master text styles</a:t>
             </a:r>
           </a:p>
           <a:p>
             <a:pPr lvl="1"/>
             <a:r>
-              <a:rPr lang="en-US" smtClean="0"/>
+              <a:rPr lang="en-US"/>
               <a:t>Second level</a:t>
             </a:r>
           </a:p>
           <a:p>
             <a:pPr lvl="2"/>
             <a:r>
-              <a:rPr lang="en-US" smtClean="0"/>
+              <a:rPr lang="en-US"/>
               <a:t>Third level</a:t>
             </a:r>
           </a:p>
           <a:p>
             <a:pPr lvl="3"/>
             <a:r>
-              <a:rPr lang="en-US" smtClean="0"/>
+              <a:rPr lang="en-US"/>
               <a:t>Fourth level</a:t>
             </a:r>
           </a:p>
           <a:p>
             <a:pPr lvl="4"/>
             <a:r>
-              <a:rPr lang="en-US" smtClean="0"/>
+              <a:rPr lang="en-US"/>
               <a:t>Fifth level</a:t>
             </a:r>
             <a:endParaRPr lang="en-US" dirty="0"/>
@@ -3223,7 +3223,7 @@
           <a:p>
             <a:fld id="{4509A250-FF31-4206-8172-F9D3106AACB1}" type="datetimeFigureOut">
               <a:rPr lang="en-US" dirty="0"/>
-              <a:t>7/3/2018</a:t>
+              <a:t>9/16/2018</a:t>
             </a:fld>
             <a:endParaRPr lang="en-US" dirty="0"/>
           </a:p>
@@ -3312,7 +3312,7 @@
           <a:lstStyle/>
           <a:p>
             <a:r>
-              <a:rPr lang="en-US" smtClean="0"/>
+              <a:rPr lang="en-US"/>
               <a:t>Click to edit Master title style</a:t>
             </a:r>
             <a:endParaRPr lang="en-US" dirty="0"/>
@@ -3336,35 +3336,35 @@
           <a:p>
             <a:pPr lvl="0"/>
             <a:r>
-              <a:rPr lang="en-US" smtClean="0"/>
+              <a:rPr lang="en-US"/>
               <a:t>Click to edit Master text styles</a:t>
             </a:r>
           </a:p>
           <a:p>
             <a:pPr lvl="1"/>
             <a:r>
-              <a:rPr lang="en-US" smtClean="0"/>
+              <a:rPr lang="en-US"/>
               <a:t>Second level</a:t>
             </a:r>
           </a:p>
           <a:p>
             <a:pPr lvl="2"/>
             <a:r>
-              <a:rPr lang="en-US" smtClean="0"/>
+              <a:rPr lang="en-US"/>
               <a:t>Third level</a:t>
             </a:r>
           </a:p>
           <a:p>
             <a:pPr lvl="3"/>
             <a:r>
-              <a:rPr lang="en-US" smtClean="0"/>
+              <a:rPr lang="en-US"/>
               <a:t>Fourth level</a:t>
             </a:r>
           </a:p>
           <a:p>
             <a:pPr lvl="4"/>
             <a:r>
-              <a:rPr lang="en-US" smtClean="0"/>
+              <a:rPr lang="en-US"/>
               <a:t>Fifth level</a:t>
             </a:r>
             <a:endParaRPr lang="en-US" dirty="0"/>
@@ -3388,7 +3388,7 @@
           <a:p>
             <a:fld id="{4509A250-FF31-4206-8172-F9D3106AACB1}" type="datetimeFigureOut">
               <a:rPr lang="en-US" dirty="0"/>
-              <a:t>7/3/2018</a:t>
+              <a:t>9/16/2018</a:t>
             </a:fld>
             <a:endParaRPr lang="en-US" dirty="0"/>
           </a:p>
@@ -3486,7 +3486,7 @@
           </a:lstStyle>
           <a:p>
             <a:r>
-              <a:rPr lang="en-US" smtClean="0"/>
+              <a:rPr lang="en-US"/>
               <a:t>Click to edit Master title style</a:t>
             </a:r>
             <a:endParaRPr lang="en-US" dirty="0"/>
@@ -3607,7 +3607,7 @@
           <a:p>
             <a:pPr lvl="0"/>
             <a:r>
-              <a:rPr lang="en-US" smtClean="0"/>
+              <a:rPr lang="en-US"/>
               <a:t>Click to edit Master text styles</a:t>
             </a:r>
           </a:p>
@@ -3630,7 +3630,7 @@
           <a:p>
             <a:fld id="{9796027F-7875-4030-9381-8BD8C4F21935}" type="datetimeFigureOut">
               <a:rPr lang="en-US" dirty="0"/>
-              <a:t>7/3/2018</a:t>
+              <a:t>9/16/2018</a:t>
             </a:fld>
             <a:endParaRPr lang="en-US" dirty="0"/>
           </a:p>
@@ -3719,7 +3719,7 @@
           <a:lstStyle/>
           <a:p>
             <a:r>
-              <a:rPr lang="en-US" smtClean="0"/>
+              <a:rPr lang="en-US"/>
               <a:t>Click to edit Master title style</a:t>
             </a:r>
             <a:endParaRPr lang="en-US" dirty="0"/>
@@ -3778,35 +3778,35 @@
           <a:p>
             <a:pPr lvl="0"/>
             <a:r>
-              <a:rPr lang="en-US" smtClean="0"/>
+              <a:rPr lang="en-US"/>
               <a:t>Click to edit Master text styles</a:t>
             </a:r>
           </a:p>
           <a:p>
             <a:pPr lvl="1"/>
             <a:r>
-              <a:rPr lang="en-US" smtClean="0"/>
+              <a:rPr lang="en-US"/>
               <a:t>Second level</a:t>
             </a:r>
           </a:p>
           <a:p>
             <a:pPr lvl="2"/>
             <a:r>
-              <a:rPr lang="en-US" smtClean="0"/>
+              <a:rPr lang="en-US"/>
               <a:t>Third level</a:t>
             </a:r>
           </a:p>
           <a:p>
             <a:pPr lvl="3"/>
             <a:r>
-              <a:rPr lang="en-US" smtClean="0"/>
+              <a:rPr lang="en-US"/>
               <a:t>Fourth level</a:t>
             </a:r>
           </a:p>
           <a:p>
             <a:pPr lvl="4"/>
             <a:r>
-              <a:rPr lang="en-US" smtClean="0"/>
+              <a:rPr lang="en-US"/>
               <a:t>Fifth level</a:t>
             </a:r>
             <a:endParaRPr lang="en-US" dirty="0"/>
@@ -3865,35 +3865,35 @@
           <a:p>
             <a:pPr lvl="0"/>
             <a:r>
-              <a:rPr lang="en-US" smtClean="0"/>
+              <a:rPr lang="en-US"/>
               <a:t>Click to edit Master text styles</a:t>
             </a:r>
           </a:p>
           <a:p>
             <a:pPr lvl="1"/>
             <a:r>
-              <a:rPr lang="en-US" smtClean="0"/>
+              <a:rPr lang="en-US"/>
               <a:t>Second level</a:t>
             </a:r>
           </a:p>
           <a:p>
             <a:pPr lvl="2"/>
             <a:r>
-              <a:rPr lang="en-US" smtClean="0"/>
+              <a:rPr lang="en-US"/>
               <a:t>Third level</a:t>
             </a:r>
           </a:p>
           <a:p>
             <a:pPr lvl="3"/>
             <a:r>
-              <a:rPr lang="en-US" smtClean="0"/>
+              <a:rPr lang="en-US"/>
               <a:t>Fourth level</a:t>
             </a:r>
           </a:p>
           <a:p>
             <a:pPr lvl="4"/>
             <a:r>
-              <a:rPr lang="en-US" smtClean="0"/>
+              <a:rPr lang="en-US"/>
               <a:t>Fifth level</a:t>
             </a:r>
             <a:endParaRPr lang="en-US" dirty="0"/>
@@ -3917,7 +3917,7 @@
           <a:p>
             <a:fld id="{9796027F-7875-4030-9381-8BD8C4F21935}" type="datetimeFigureOut">
               <a:rPr lang="en-US" dirty="0"/>
-              <a:t>7/3/2018</a:t>
+              <a:t>9/16/2018</a:t>
             </a:fld>
             <a:endParaRPr lang="en-US" dirty="0"/>
           </a:p>
@@ -4010,7 +4010,7 @@
           </a:lstStyle>
           <a:p>
             <a:r>
-              <a:rPr lang="en-US" smtClean="0"/>
+              <a:rPr lang="en-US"/>
               <a:t>Click to edit Master title style</a:t>
             </a:r>
             <a:endParaRPr lang="en-US" dirty="0"/>
@@ -4085,7 +4085,7 @@
           <a:p>
             <a:pPr lvl="0"/>
             <a:r>
-              <a:rPr lang="en-US" smtClean="0"/>
+              <a:rPr lang="en-US"/>
               <a:t>Click to edit Master text styles</a:t>
             </a:r>
           </a:p>
@@ -4143,35 +4143,35 @@
           <a:p>
             <a:pPr lvl="0"/>
             <a:r>
-              <a:rPr lang="en-US" smtClean="0"/>
+              <a:rPr lang="en-US"/>
               <a:t>Click to edit Master text styles</a:t>
             </a:r>
           </a:p>
           <a:p>
             <a:pPr lvl="1"/>
             <a:r>
-              <a:rPr lang="en-US" smtClean="0"/>
+              <a:rPr lang="en-US"/>
               <a:t>Second level</a:t>
             </a:r>
           </a:p>
           <a:p>
             <a:pPr lvl="2"/>
             <a:r>
-              <a:rPr lang="en-US" smtClean="0"/>
+              <a:rPr lang="en-US"/>
               <a:t>Third level</a:t>
             </a:r>
           </a:p>
           <a:p>
             <a:pPr lvl="3"/>
             <a:r>
-              <a:rPr lang="en-US" smtClean="0"/>
+              <a:rPr lang="en-US"/>
               <a:t>Fourth level</a:t>
             </a:r>
           </a:p>
           <a:p>
             <a:pPr lvl="4"/>
             <a:r>
-              <a:rPr lang="en-US" smtClean="0"/>
+              <a:rPr lang="en-US"/>
               <a:t>Fifth level</a:t>
             </a:r>
             <a:endParaRPr lang="en-US" dirty="0"/>
@@ -4246,7 +4246,7 @@
           <a:p>
             <a:pPr lvl="0"/>
             <a:r>
-              <a:rPr lang="en-US" smtClean="0"/>
+              <a:rPr lang="en-US"/>
               <a:t>Click to edit Master text styles</a:t>
             </a:r>
           </a:p>
@@ -4304,35 +4304,35 @@
           <a:p>
             <a:pPr lvl="0"/>
             <a:r>
-              <a:rPr lang="en-US" smtClean="0"/>
+              <a:rPr lang="en-US"/>
               <a:t>Click to edit Master text styles</a:t>
             </a:r>
           </a:p>
           <a:p>
             <a:pPr lvl="1"/>
             <a:r>
-              <a:rPr lang="en-US" smtClean="0"/>
+              <a:rPr lang="en-US"/>
               <a:t>Second level</a:t>
             </a:r>
           </a:p>
           <a:p>
             <a:pPr lvl="2"/>
             <a:r>
-              <a:rPr lang="en-US" smtClean="0"/>
+              <a:rPr lang="en-US"/>
               <a:t>Third level</a:t>
             </a:r>
           </a:p>
           <a:p>
             <a:pPr lvl="3"/>
             <a:r>
-              <a:rPr lang="en-US" smtClean="0"/>
+              <a:rPr lang="en-US"/>
               <a:t>Fourth level</a:t>
             </a:r>
           </a:p>
           <a:p>
             <a:pPr lvl="4"/>
             <a:r>
-              <a:rPr lang="en-US" smtClean="0"/>
+              <a:rPr lang="en-US"/>
               <a:t>Fifth level</a:t>
             </a:r>
             <a:endParaRPr lang="en-US" dirty="0"/>
@@ -4356,7 +4356,7 @@
           <a:p>
             <a:fld id="{9796027F-7875-4030-9381-8BD8C4F21935}" type="datetimeFigureOut">
               <a:rPr lang="en-US" dirty="0"/>
-              <a:t>7/3/2018</a:t>
+              <a:t>9/16/2018</a:t>
             </a:fld>
             <a:endParaRPr lang="en-US" dirty="0"/>
           </a:p>
@@ -4445,7 +4445,7 @@
           <a:lstStyle/>
           <a:p>
             <a:r>
-              <a:rPr lang="en-US" smtClean="0"/>
+              <a:rPr lang="en-US"/>
               <a:t>Click to edit Master title style</a:t>
             </a:r>
             <a:endParaRPr lang="en-US" dirty="0"/>
@@ -4469,7 +4469,7 @@
           <a:p>
             <a:fld id="{4509A250-FF31-4206-8172-F9D3106AACB1}" type="datetimeFigureOut">
               <a:rPr lang="en-US" dirty="0"/>
-              <a:t>7/3/2018</a:t>
+              <a:t>9/16/2018</a:t>
             </a:fld>
             <a:endParaRPr lang="en-US" dirty="0"/>
           </a:p>
@@ -4559,7 +4559,7 @@
           <a:p>
             <a:fld id="{4509A250-FF31-4206-8172-F9D3106AACB1}" type="datetimeFigureOut">
               <a:rPr lang="en-US" dirty="0"/>
-              <a:t>7/3/2018</a:t>
+              <a:t>9/16/2018</a:t>
             </a:fld>
             <a:endParaRPr lang="en-US" dirty="0"/>
           </a:p>
@@ -4657,7 +4657,7 @@
           </a:lstStyle>
           <a:p>
             <a:r>
-              <a:rPr lang="en-US" smtClean="0"/>
+              <a:rPr lang="en-US"/>
               <a:t>Click to edit Master title style</a:t>
             </a:r>
             <a:endParaRPr lang="en-US" dirty="0"/>
@@ -4716,35 +4716,35 @@
           <a:p>
             <a:pPr lvl="0"/>
             <a:r>
-              <a:rPr lang="en-US" smtClean="0"/>
+              <a:rPr lang="en-US"/>
               <a:t>Click to edit Master text styles</a:t>
             </a:r>
           </a:p>
           <a:p>
             <a:pPr lvl="1"/>
             <a:r>
-              <a:rPr lang="en-US" smtClean="0"/>
+              <a:rPr lang="en-US"/>
               <a:t>Second level</a:t>
             </a:r>
           </a:p>
           <a:p>
             <a:pPr lvl="2"/>
             <a:r>
-              <a:rPr lang="en-US" smtClean="0"/>
+              <a:rPr lang="en-US"/>
               <a:t>Third level</a:t>
             </a:r>
           </a:p>
           <a:p>
             <a:pPr lvl="3"/>
             <a:r>
-              <a:rPr lang="en-US" smtClean="0"/>
+              <a:rPr lang="en-US"/>
               <a:t>Fourth level</a:t>
             </a:r>
           </a:p>
           <a:p>
             <a:pPr lvl="4"/>
             <a:r>
-              <a:rPr lang="en-US" smtClean="0"/>
+              <a:rPr lang="en-US"/>
               <a:t>Fifth level</a:t>
             </a:r>
             <a:endParaRPr lang="en-US" dirty="0"/>
@@ -4810,7 +4810,7 @@
           <a:p>
             <a:pPr lvl="0"/>
             <a:r>
-              <a:rPr lang="en-US" smtClean="0"/>
+              <a:rPr lang="en-US"/>
               <a:t>Click to edit Master text styles</a:t>
             </a:r>
           </a:p>
@@ -4833,7 +4833,7 @@
           <a:p>
             <a:fld id="{4509A250-FF31-4206-8172-F9D3106AACB1}" type="datetimeFigureOut">
               <a:rPr lang="en-US" dirty="0"/>
-              <a:t>7/3/2018</a:t>
+              <a:t>9/16/2018</a:t>
             </a:fld>
             <a:endParaRPr lang="en-US" dirty="0"/>
           </a:p>
@@ -4933,7 +4933,7 @@
           </a:lstStyle>
           <a:p>
             <a:r>
-              <a:rPr lang="en-US" smtClean="0"/>
+              <a:rPr lang="en-US"/>
               <a:t>Click to edit Master title style</a:t>
             </a:r>
             <a:endParaRPr lang="en-US" dirty="0"/>
@@ -5012,7 +5012,7 @@
           </a:lstStyle>
           <a:p>
             <a:r>
-              <a:rPr lang="en-US" smtClean="0"/>
+              <a:rPr lang="en-US"/>
               <a:t>Click icon to add picture</a:t>
             </a:r>
             <a:endParaRPr lang="en-US" dirty="0"/>
@@ -5080,7 +5080,7 @@
           <a:p>
             <a:pPr lvl="0"/>
             <a:r>
-              <a:rPr lang="en-US" smtClean="0"/>
+              <a:rPr lang="en-US"/>
               <a:t>Click to edit Master text styles</a:t>
             </a:r>
           </a:p>
@@ -5103,7 +5103,7 @@
           <a:p>
             <a:fld id="{4509A250-FF31-4206-8172-F9D3106AACB1}" type="datetimeFigureOut">
               <a:rPr lang="en-US" dirty="0"/>
-              <a:t>7/3/2018</a:t>
+              <a:t>9/16/2018</a:t>
             </a:fld>
             <a:endParaRPr lang="en-US" dirty="0"/>
           </a:p>
@@ -5422,7 +5422,7 @@
           <a:lstStyle/>
           <a:p>
             <a:r>
-              <a:rPr lang="en-US" smtClean="0"/>
+              <a:rPr lang="en-US"/>
               <a:t>Click to edit Master title style</a:t>
             </a:r>
             <a:endParaRPr lang="en-US" dirty="0"/>
@@ -5456,35 +5456,35 @@
           <a:p>
             <a:pPr lvl="0"/>
             <a:r>
-              <a:rPr lang="en-US" smtClean="0"/>
+              <a:rPr lang="en-US"/>
               <a:t>Click to edit Master text styles</a:t>
             </a:r>
           </a:p>
           <a:p>
             <a:pPr lvl="1"/>
             <a:r>
-              <a:rPr lang="en-US" smtClean="0"/>
+              <a:rPr lang="en-US"/>
               <a:t>Second level</a:t>
             </a:r>
           </a:p>
           <a:p>
             <a:pPr lvl="2"/>
             <a:r>
-              <a:rPr lang="en-US" smtClean="0"/>
+              <a:rPr lang="en-US"/>
               <a:t>Third level</a:t>
             </a:r>
           </a:p>
           <a:p>
             <a:pPr lvl="3"/>
             <a:r>
-              <a:rPr lang="en-US" smtClean="0"/>
+              <a:rPr lang="en-US"/>
               <a:t>Fourth level</a:t>
             </a:r>
           </a:p>
           <a:p>
             <a:pPr lvl="4"/>
             <a:r>
-              <a:rPr lang="en-US" smtClean="0"/>
+              <a:rPr lang="en-US"/>
               <a:t>Fifth level</a:t>
             </a:r>
             <a:endParaRPr lang="en-US" dirty="0"/>
@@ -5527,7 +5527,7 @@
           <a:p>
             <a:fld id="{4AAD347D-5ACD-4C99-B74B-A9C85AD731AF}" type="datetimeFigureOut">
               <a:rPr lang="en-US" dirty="0"/>
-              <a:t>7/3/2018</a:t>
+              <a:t>9/16/2018</a:t>
             </a:fld>
             <a:endParaRPr lang="en-US" dirty="0"/>
           </a:p>
@@ -6067,11 +6067,11 @@
           <a:lstStyle/>
           <a:p>
             <a:r>
-              <a:rPr lang="en-GB" dirty="0" smtClean="0"/>
+              <a:rPr lang="en-GB" dirty="0"/>
               <a:t>Learning Python 3</a:t>
             </a:r>
             <a:br>
-              <a:rPr lang="en-GB" dirty="0" smtClean="0"/>
+              <a:rPr lang="en-GB" dirty="0"/>
             </a:br>
             <a:endParaRPr lang="en-GB" dirty="0"/>
           </a:p>
@@ -6093,11 +6093,11 @@
           <a:lstStyle/>
           <a:p>
             <a:r>
-              <a:rPr lang="en-GB" dirty="0" smtClean="0"/>
+              <a:rPr lang="en-GB" dirty="0"/>
               <a:t>Week 9</a:t>
             </a:r>
             <a:r>
-              <a:rPr lang="en-GB" smtClean="0"/>
+              <a:rPr lang="en-GB"/>
               <a:t>: Simulating Snakes and Ladders</a:t>
             </a:r>
             <a:endParaRPr lang="en-GB" dirty="0"/>
@@ -6114,13 +6114,6 @@
   <p:clrMapOvr>
     <a:masterClrMapping/>
   </p:clrMapOvr>
-  <p:timing>
-    <p:tnLst>
-      <p:par>
-        <p:cTn id="1" dur="indefinite" restart="never" nodeType="tmRoot"/>
-      </p:par>
-    </p:tnLst>
-  </p:timing>
 </p:sld>
 </file>
 
@@ -6157,10 +6150,9 @@
           <a:lstStyle/>
           <a:p>
             <a:r>
-              <a:rPr lang="en-GB" sz="3200" dirty="0" smtClean="0"/>
+              <a:rPr lang="en-GB" sz="3200" dirty="0"/>
               <a:t>Example 2.</a:t>
             </a:r>
-            <a:endParaRPr lang="en-GB" sz="3200" dirty="0"/>
           </a:p>
         </p:txBody>
       </p:sp>
@@ -6370,19 +6362,8 @@
                 <a:latin typeface="Courier New" panose="02070309020205020404" pitchFamily="49" charset="0"/>
                 <a:cs typeface="Courier New" panose="02070309020205020404" pitchFamily="49" charset="0"/>
               </a:rPr>
-              <a:t> in </a:t>
-            </a:r>
-            <a:r>
-              <a:rPr lang="en-GB" sz="1100" dirty="0" smtClean="0">
-                <a:latin typeface="Courier New" panose="02070309020205020404" pitchFamily="49" charset="0"/>
-                <a:cs typeface="Courier New" panose="02070309020205020404" pitchFamily="49" charset="0"/>
-              </a:rPr>
-              <a:t>range(1,31):</a:t>
-            </a:r>
-            <a:endParaRPr lang="en-GB" sz="1100" dirty="0">
-              <a:latin typeface="Courier New" panose="02070309020205020404" pitchFamily="49" charset="0"/>
-              <a:cs typeface="Courier New" panose="02070309020205020404" pitchFamily="49" charset="0"/>
-            </a:endParaRPr>
+              <a:t> in range(1,31):</a:t>
+            </a:r>
           </a:p>
           <a:p>
             <a:pPr marL="0" indent="0">
@@ -7082,7 +7063,7 @@
               <a:buNone/>
             </a:pPr>
             <a:r>
-              <a:rPr lang="en-GB" sz="1400" dirty="0" smtClean="0">
+              <a:rPr lang="en-GB" sz="1400" dirty="0">
                 <a:solidFill>
                   <a:srgbClr val="FFFF00"/>
                 </a:solidFill>
@@ -7097,16 +7078,6 @@
               <a:buFont typeface="Wingdings 3" charset="2"/>
               <a:buNone/>
             </a:pPr>
-            <a:r>
-              <a:rPr lang="en-GB" sz="1400" dirty="0">
-                <a:solidFill>
-                  <a:srgbClr val="FFFF00"/>
-                </a:solidFill>
-                <a:latin typeface="Courier New" panose="02070309020205020404" pitchFamily="49" charset="0"/>
-                <a:cs typeface="Courier New" panose="02070309020205020404" pitchFamily="49" charset="0"/>
-              </a:rPr>
-              <a:t/>
-            </a:r>
             <a:br>
               <a:rPr lang="en-GB" sz="1400" dirty="0">
                 <a:solidFill>
@@ -7117,7 +7088,7 @@
               </a:rPr>
             </a:br>
             <a:r>
-              <a:rPr lang="en-GB" sz="1400" dirty="0" smtClean="0">
+              <a:rPr lang="en-GB" sz="1400" dirty="0">
                 <a:solidFill>
                   <a:srgbClr val="FFFF00"/>
                 </a:solidFill>
@@ -7180,10 +7151,9 @@
           <a:lstStyle/>
           <a:p>
             <a:r>
-              <a:rPr lang="en-GB" sz="3200" dirty="0" smtClean="0"/>
+              <a:rPr lang="en-GB" sz="3200" dirty="0"/>
               <a:t>Playing the game.</a:t>
             </a:r>
-            <a:endParaRPr lang="en-GB" sz="3200" dirty="0"/>
           </a:p>
         </p:txBody>
       </p:sp>
@@ -7210,44 +7180,44 @@
           <a:lstStyle/>
           <a:p>
             <a:r>
-              <a:rPr lang="en-GB" dirty="0" smtClean="0"/>
+              <a:rPr lang="en-GB" dirty="0"/>
               <a:t>At the start of the game, a player is on square 1.</a:t>
             </a:r>
           </a:p>
           <a:p>
             <a:r>
-              <a:rPr lang="en-GB" dirty="0" smtClean="0"/>
+              <a:rPr lang="en-GB" dirty="0"/>
               <a:t>The player rolls a dice and moves forward that many squares.</a:t>
             </a:r>
           </a:p>
           <a:p>
             <a:r>
-              <a:rPr lang="en-GB" dirty="0" smtClean="0"/>
+              <a:rPr lang="en-GB" dirty="0"/>
               <a:t>If the player would be on square 30 or past square 30, they win !</a:t>
             </a:r>
           </a:p>
           <a:p>
             <a:pPr lvl="1"/>
             <a:r>
-              <a:rPr lang="en-GB" dirty="0" smtClean="0"/>
+              <a:rPr lang="en-GB" dirty="0"/>
               <a:t>When they win, print how many turns it took.</a:t>
             </a:r>
           </a:p>
           <a:p>
             <a:r>
-              <a:rPr lang="en-GB" dirty="0" smtClean="0"/>
+              <a:rPr lang="en-GB" dirty="0"/>
               <a:t>If they haven't won, they climb ladders or slide down snakes.</a:t>
             </a:r>
           </a:p>
           <a:p>
             <a:r>
-              <a:rPr lang="en-GB" dirty="0" smtClean="0"/>
+              <a:rPr lang="en-GB" dirty="0"/>
               <a:t>Add one to the number of turns the player has taken.</a:t>
             </a:r>
           </a:p>
           <a:p>
             <a:r>
-              <a:rPr lang="en-GB" dirty="0" smtClean="0"/>
+              <a:rPr lang="en-GB" dirty="0"/>
               <a:t>They take another turn.</a:t>
             </a:r>
           </a:p>
@@ -7256,7 +7226,7 @@
           </a:p>
           <a:p>
             <a:r>
-              <a:rPr lang="en-GB" dirty="0" smtClean="0">
+              <a:rPr lang="en-GB" dirty="0">
                 <a:solidFill>
                   <a:srgbClr val="FFFF00"/>
                 </a:solidFill>
@@ -7266,7 +7236,7 @@
           </a:p>
           <a:p>
             <a:r>
-              <a:rPr lang="en-GB" dirty="0" smtClean="0">
+              <a:rPr lang="en-GB" dirty="0">
                 <a:solidFill>
                   <a:srgbClr val="FFFF00"/>
                 </a:solidFill>
@@ -7275,7 +7245,7 @@
             </a:r>
           </a:p>
           <a:p>
-            <a:endParaRPr lang="en-GB" dirty="0" smtClean="0"/>
+            <a:endParaRPr lang="en-GB" dirty="0"/>
           </a:p>
           <a:p>
             <a:endParaRPr lang="en-GB" dirty="0">
@@ -7337,10 +7307,9 @@
           <a:lstStyle/>
           <a:p>
             <a:r>
-              <a:rPr lang="en-GB" sz="3200" dirty="0" smtClean="0"/>
+              <a:rPr lang="en-GB" sz="3200" dirty="0"/>
               <a:t>Changing how the game ends.</a:t>
             </a:r>
-            <a:endParaRPr lang="en-GB" sz="3200" dirty="0"/>
           </a:p>
         </p:txBody>
       </p:sp>
@@ -7367,7 +7336,7 @@
           <a:lstStyle/>
           <a:p>
             <a:r>
-              <a:rPr lang="en-GB" dirty="0" smtClean="0"/>
+              <a:rPr lang="en-GB" dirty="0"/>
               <a:t>Lets modify the rules of the game.</a:t>
             </a:r>
           </a:p>
@@ -7376,7 +7345,7 @@
           </a:p>
           <a:p>
             <a:r>
-              <a:rPr lang="en-GB" dirty="0" smtClean="0">
+              <a:rPr lang="en-GB" dirty="0">
                 <a:solidFill>
                   <a:srgbClr val="FFFF00"/>
                 </a:solidFill>
@@ -7404,7 +7373,7 @@
           </a:p>
           <a:p>
             <a:r>
-              <a:rPr lang="en-GB" dirty="0" smtClean="0">
+              <a:rPr lang="en-GB" dirty="0">
                 <a:solidFill>
                   <a:srgbClr val="FFFF00"/>
                 </a:solidFill>
@@ -7413,7 +7382,7 @@
             </a:r>
           </a:p>
           <a:p>
-            <a:endParaRPr lang="en-GB" dirty="0" smtClean="0"/>
+            <a:endParaRPr lang="en-GB" dirty="0"/>
           </a:p>
           <a:p>
             <a:endParaRPr lang="en-GB" dirty="0">
@@ -7475,10 +7444,9 @@
           <a:lstStyle/>
           <a:p>
             <a:r>
-              <a:rPr lang="en-GB" sz="3200" dirty="0" smtClean="0"/>
+              <a:rPr lang="en-GB" sz="3200" dirty="0"/>
               <a:t>A different end to the game.</a:t>
             </a:r>
-            <a:endParaRPr lang="en-GB" sz="3200" dirty="0"/>
           </a:p>
         </p:txBody>
       </p:sp>
@@ -7505,38 +7473,38 @@
           <a:lstStyle/>
           <a:p>
             <a:r>
-              <a:rPr lang="en-GB" dirty="0" smtClean="0"/>
+              <a:rPr lang="en-GB" dirty="0"/>
               <a:t>Another way snakes and ladders can be played.</a:t>
             </a:r>
           </a:p>
           <a:p>
             <a:r>
-              <a:rPr lang="en-GB" dirty="0" smtClean="0"/>
+              <a:rPr lang="en-GB" dirty="0"/>
               <a:t>If you land on 30 you win.</a:t>
             </a:r>
           </a:p>
           <a:p>
             <a:r>
-              <a:rPr lang="en-GB" dirty="0" smtClean="0"/>
+              <a:rPr lang="en-GB" dirty="0"/>
               <a:t>If you would go past 30, you "bounce off".</a:t>
             </a:r>
           </a:p>
           <a:p>
             <a:pPr lvl="1"/>
             <a:r>
-              <a:rPr lang="en-GB" dirty="0" smtClean="0"/>
+              <a:rPr lang="en-GB" dirty="0"/>
               <a:t>You are on 29 and roll a 2. You end up back on 29 after "bouncing".</a:t>
             </a:r>
           </a:p>
           <a:p>
             <a:pPr lvl="1"/>
             <a:r>
-              <a:rPr lang="en-GB" dirty="0" smtClean="0"/>
+              <a:rPr lang="en-GB" dirty="0"/>
               <a:t>You are on 29 and roll a 4. You end up back on 27 after "bouncing". Then you slide down the snake. </a:t>
             </a:r>
           </a:p>
           <a:p>
-            <a:endParaRPr lang="en-GB" dirty="0" smtClean="0">
+            <a:endParaRPr lang="en-GB" dirty="0">
               <a:latin typeface="Courier New" panose="02070309020205020404" pitchFamily="49" charset="0"/>
               <a:cs typeface="Courier New" panose="02070309020205020404" pitchFamily="49" charset="0"/>
             </a:endParaRPr>
@@ -7548,33 +7516,17 @@
                   <a:srgbClr val="FFFF00"/>
                 </a:solidFill>
               </a:rPr>
-              <a:t>Starting with example4, implement this</a:t>
-            </a:r>
-            <a:r>
-              <a:rPr lang="en-GB" dirty="0" smtClean="0">
-                <a:solidFill>
-                  <a:srgbClr val="FFFF00"/>
-                </a:solidFill>
-              </a:rPr>
-              <a:t>.</a:t>
-            </a:r>
-          </a:p>
-          <a:p>
-            <a:r>
-              <a:rPr lang="en-GB" dirty="0" smtClean="0">
-                <a:solidFill>
-                  <a:srgbClr val="FFFF00"/>
-                </a:solidFill>
-              </a:rPr>
-              <a:t>Compare this with my </a:t>
-            </a:r>
+              <a:t>Starting with example4, implement this.</a:t>
+            </a:r>
+          </a:p>
+          <a:p>
             <a:r>
               <a:rPr lang="en-GB" dirty="0">
                 <a:solidFill>
                   <a:srgbClr val="FFFF00"/>
                 </a:solidFill>
               </a:rPr>
-              <a:t>example5. week9_example4.py</a:t>
+              <a:t>Compare this with my example5. week9_example4.py</a:t>
             </a:r>
           </a:p>
           <a:p>
@@ -7631,10 +7583,9 @@
           <a:lstStyle/>
           <a:p>
             <a:r>
-              <a:rPr lang="en-GB" sz="3200" dirty="0" smtClean="0"/>
+              <a:rPr lang="en-GB" sz="3200" dirty="0"/>
               <a:t>Starting to Get Statistics.</a:t>
             </a:r>
-            <a:endParaRPr lang="en-GB" sz="3200" dirty="0"/>
           </a:p>
         </p:txBody>
       </p:sp>
@@ -7661,13 +7612,13 @@
           <a:lstStyle/>
           <a:p>
             <a:r>
-              <a:rPr lang="en-GB" dirty="0" smtClean="0"/>
+              <a:rPr lang="en-GB" dirty="0"/>
               <a:t>Playing the game once isn't that interesting.</a:t>
             </a:r>
           </a:p>
           <a:p>
             <a:r>
-              <a:rPr lang="en-GB" dirty="0" smtClean="0">
+              <a:rPr lang="en-GB" dirty="0">
                 <a:solidFill>
                   <a:srgbClr val="FFFF00"/>
                 </a:solidFill>
@@ -7677,7 +7628,7 @@
           </a:p>
           <a:p>
             <a:r>
-              <a:rPr lang="en-GB" dirty="0" smtClean="0">
+              <a:rPr lang="en-GB" dirty="0">
                 <a:solidFill>
                   <a:srgbClr val="FFFF00"/>
                 </a:solidFill>
@@ -7688,7 +7639,7 @@
           <a:p>
             <a:pPr lvl="1"/>
             <a:r>
-              <a:rPr lang="en-GB" dirty="0" smtClean="0">
+              <a:rPr lang="en-GB" dirty="0">
                 <a:latin typeface="Courier New" panose="02070309020205020404" pitchFamily="49" charset="0"/>
                 <a:cs typeface="Courier New" panose="02070309020205020404" pitchFamily="49" charset="0"/>
               </a:rPr>
@@ -7698,7 +7649,7 @@
           <a:p>
             <a:pPr lvl="1"/>
             <a:r>
-              <a:rPr lang="en-GB" dirty="0" smtClean="0">
+              <a:rPr lang="en-GB" dirty="0">
                 <a:latin typeface="Courier New" panose="02070309020205020404" pitchFamily="49" charset="0"/>
                 <a:cs typeface="Courier New" panose="02070309020205020404" pitchFamily="49" charset="0"/>
               </a:rPr>
@@ -7708,7 +7659,7 @@
           <a:p>
             <a:pPr lvl="1"/>
             <a:r>
-              <a:rPr lang="en-GB" dirty="0" smtClean="0">
+              <a:rPr lang="en-GB" dirty="0">
                 <a:latin typeface="Courier New" panose="02070309020205020404" pitchFamily="49" charset="0"/>
                 <a:cs typeface="Courier New" panose="02070309020205020404" pitchFamily="49" charset="0"/>
               </a:rPr>
@@ -7790,10 +7741,9 @@
           <a:lstStyle/>
           <a:p>
             <a:r>
-              <a:rPr lang="en-GB" sz="3200" dirty="0" smtClean="0"/>
+              <a:rPr lang="en-GB" sz="3200" dirty="0"/>
               <a:t>A more advanced example.</a:t>
             </a:r>
-            <a:endParaRPr lang="en-GB" sz="3200" dirty="0"/>
           </a:p>
         </p:txBody>
       </p:sp>
@@ -7820,10 +7770,10 @@
           <a:lstStyle/>
           <a:p>
             <a:r>
-              <a:rPr lang="en-GB" dirty="0" smtClean="0"/>
+              <a:rPr lang="en-GB" dirty="0"/>
               <a:t>I've reworked the version in example 6 and made example 7.</a:t>
             </a:r>
-            <a:endParaRPr lang="en-GB" dirty="0" smtClean="0">
+            <a:endParaRPr lang="en-GB" dirty="0">
               <a:solidFill>
                 <a:srgbClr val="FFFF00"/>
               </a:solidFill>
@@ -7832,11 +7782,7 @@
           <a:p>
             <a:r>
               <a:rPr lang="en-GB" dirty="0"/>
-              <a:t>This program uses techniques and libraries you haven't seen, so I wouldn't expect you to be able to make it on your own</a:t>
-            </a:r>
-            <a:r>
-              <a:rPr lang="en-GB" dirty="0" smtClean="0"/>
-              <a:t>.</a:t>
+              <a:t>This program uses techniques and libraries you haven't seen, so I wouldn't expect you to be able to make it on your own.</a:t>
             </a:r>
           </a:p>
           <a:p>
@@ -7858,7 +7804,7 @@
           </a:p>
           <a:p>
             <a:r>
-              <a:rPr lang="en-GB" dirty="0" smtClean="0">
+              <a:rPr lang="en-GB" dirty="0">
                 <a:solidFill>
                   <a:srgbClr val="FFFF00"/>
                 </a:solidFill>
@@ -7868,7 +7814,7 @@
           </a:p>
           <a:p>
             <a:r>
-              <a:rPr lang="en-GB" dirty="0" smtClean="0">
+              <a:rPr lang="en-GB" dirty="0">
                 <a:solidFill>
                   <a:srgbClr val="FFFF00"/>
                 </a:solidFill>
@@ -7878,24 +7824,19 @@
           </a:p>
           <a:p>
             <a:r>
-              <a:rPr lang="en-GB" dirty="0" smtClean="0">
+              <a:rPr lang="en-GB" dirty="0">
                 <a:solidFill>
                   <a:srgbClr val="FFFF00"/>
                 </a:solidFill>
               </a:rPr>
               <a:t>Send me the commented code so I can review it and give you feedback.</a:t>
             </a:r>
-            <a:endParaRPr lang="en-GB" dirty="0">
-              <a:solidFill>
-                <a:srgbClr val="FFFF00"/>
-              </a:solidFill>
-            </a:endParaRPr>
           </a:p>
           <a:p>
             <a:pPr marL="0" indent="0">
               <a:buNone/>
             </a:pPr>
-            <a:endParaRPr lang="en-GB" dirty="0" smtClean="0"/>
+            <a:endParaRPr lang="en-GB" dirty="0"/>
           </a:p>
         </p:txBody>
       </p:sp>
@@ -7945,10 +7886,9 @@
           <a:lstStyle/>
           <a:p>
             <a:r>
-              <a:rPr lang="en-GB" sz="3200" dirty="0" smtClean="0"/>
+              <a:rPr lang="en-GB" sz="3200" dirty="0"/>
               <a:t>Homework</a:t>
             </a:r>
-            <a:endParaRPr lang="en-GB" sz="3200" dirty="0"/>
           </a:p>
         </p:txBody>
       </p:sp>
@@ -8039,10 +7979,9 @@
           <a:lstStyle/>
           <a:p>
             <a:r>
-              <a:rPr lang="en-GB" sz="3200" dirty="0" smtClean="0"/>
+              <a:rPr lang="en-GB" sz="3200" dirty="0"/>
               <a:t>Homework 1</a:t>
             </a:r>
-            <a:endParaRPr lang="en-GB" sz="3200" dirty="0"/>
           </a:p>
         </p:txBody>
       </p:sp>
@@ -8107,11 +8046,7 @@
             <a:pPr lvl="1"/>
             <a:r>
               <a:rPr lang="en-GB" dirty="0"/>
-              <a:t>6, 2, 6, </a:t>
-            </a:r>
-            <a:r>
-              <a:rPr lang="en-GB" dirty="0" smtClean="0"/>
-              <a:t>2</a:t>
+              <a:t>6, 2, 6, 2</a:t>
             </a:r>
           </a:p>
           <a:p>
@@ -8120,16 +8055,15 @@
           </a:p>
           <a:p>
             <a:r>
-              <a:rPr lang="en-GB" dirty="0" smtClean="0"/>
+              <a:rPr lang="en-GB" dirty="0"/>
               <a:t>Run the program and see how it changes how long the game takes (on average) to complete.</a:t>
             </a:r>
+          </a:p>
+          <a:p>
+            <a:pPr marL="0" indent="0">
+              <a:buNone/>
+            </a:pPr>
             <a:endParaRPr lang="en-GB" dirty="0"/>
-          </a:p>
-          <a:p>
-            <a:pPr marL="0" indent="0">
-              <a:buNone/>
-            </a:pPr>
-            <a:endParaRPr lang="en-GB" dirty="0" smtClean="0"/>
           </a:p>
         </p:txBody>
       </p:sp>
@@ -8179,10 +8113,9 @@
           <a:lstStyle/>
           <a:p>
             <a:r>
-              <a:rPr lang="en-GB" sz="3200" dirty="0" smtClean="0"/>
+              <a:rPr lang="en-GB" sz="3200" dirty="0"/>
               <a:t>Homework 2</a:t>
             </a:r>
-            <a:endParaRPr lang="en-GB" sz="3200" dirty="0"/>
           </a:p>
         </p:txBody>
       </p:sp>
@@ -8210,32 +8143,26 @@
           <a:p>
             <a:r>
               <a:rPr lang="en-GB" dirty="0"/>
-              <a:t>Start with the </a:t>
-            </a:r>
-            <a:r>
-              <a:rPr lang="en-GB" dirty="0" smtClean="0"/>
-              <a:t>previous Homework, or with my version.</a:t>
-            </a:r>
+              <a:t>Start with the previous Homework, or with my version.</a:t>
+            </a:r>
+          </a:p>
+          <a:p>
             <a:endParaRPr lang="en-GB" dirty="0"/>
           </a:p>
           <a:p>
+            <a:r>
+              <a:rPr lang="en-GB" dirty="0"/>
+              <a:t>Add to the title of the graph the average (mean) number of turns to play a game.</a:t>
+            </a:r>
+          </a:p>
+          <a:p>
             <a:endParaRPr lang="en-GB" dirty="0"/>
           </a:p>
           <a:p>
             <a:r>
-              <a:rPr lang="en-GB" dirty="0" smtClean="0"/>
-              <a:t>Add to the title of the graph the average (mean) number of turns to play a game.</a:t>
-            </a:r>
-          </a:p>
-          <a:p>
-            <a:endParaRPr lang="en-GB" dirty="0"/>
-          </a:p>
-          <a:p>
-            <a:r>
-              <a:rPr lang="en-GB" dirty="0" smtClean="0"/>
+              <a:rPr lang="en-GB" dirty="0"/>
               <a:t>Output should look something like the example on the right.</a:t>
             </a:r>
-            <a:endParaRPr lang="en-GB" dirty="0" smtClean="0"/>
           </a:p>
         </p:txBody>
       </p:sp>
@@ -8309,10 +8236,9 @@
           <a:lstStyle/>
           <a:p>
             <a:r>
-              <a:rPr lang="en-GB" sz="3200" dirty="0" smtClean="0"/>
+              <a:rPr lang="en-GB" sz="3200" dirty="0"/>
               <a:t>Homework 3</a:t>
             </a:r>
-            <a:endParaRPr lang="en-GB" sz="3200" dirty="0"/>
           </a:p>
         </p:txBody>
       </p:sp>
@@ -8339,7 +8265,7 @@
           <a:lstStyle/>
           <a:p>
             <a:r>
-              <a:rPr lang="en-GB" dirty="0" smtClean="0"/>
+              <a:rPr lang="en-GB" dirty="0"/>
               <a:t>Read my version of homework 3.</a:t>
             </a:r>
           </a:p>
@@ -8348,32 +8274,32 @@
           </a:p>
           <a:p>
             <a:r>
-              <a:rPr lang="en-GB" dirty="0" smtClean="0"/>
+              <a:rPr lang="en-GB" dirty="0"/>
               <a:t>What does it use that you haven't yet used ?</a:t>
             </a:r>
           </a:p>
           <a:p>
             <a:r>
-              <a:rPr lang="en-GB" dirty="0" smtClean="0"/>
+              <a:rPr lang="en-GB" dirty="0"/>
               <a:t>Where would you find documentation on that feature ?</a:t>
             </a:r>
           </a:p>
           <a:p>
-            <a:endParaRPr lang="en-GB" dirty="0" smtClean="0"/>
-          </a:p>
-          <a:p>
-            <a:r>
-              <a:rPr lang="en-GB" dirty="0" smtClean="0"/>
+            <a:endParaRPr lang="en-GB" dirty="0"/>
+          </a:p>
+          <a:p>
+            <a:r>
+              <a:rPr lang="en-GB" dirty="0"/>
               <a:t>Add comments explaining parts of the code to it, and send them to me </a:t>
             </a:r>
             <a:r>
-              <a:rPr lang="en-GB" smtClean="0"/>
+              <a:rPr lang="en-GB"/>
               <a:t>for review.</a:t>
             </a:r>
             <a:endParaRPr lang="en-GB" dirty="0"/>
           </a:p>
           <a:p>
-            <a:endParaRPr lang="en-GB" dirty="0" smtClean="0"/>
+            <a:endParaRPr lang="en-GB" dirty="0"/>
           </a:p>
         </p:txBody>
       </p:sp>
@@ -8423,10 +8349,9 @@
           <a:lstStyle/>
           <a:p>
             <a:r>
-              <a:rPr lang="en-GB" dirty="0" smtClean="0"/>
+              <a:rPr lang="en-GB" dirty="0"/>
               <a:t>Goals of this week.</a:t>
             </a:r>
-            <a:endParaRPr lang="en-GB" dirty="0"/>
           </a:p>
         </p:txBody>
       </p:sp>
@@ -8453,7 +8378,7 @@
           <a:lstStyle/>
           <a:p>
             <a:r>
-              <a:rPr lang="en-GB" dirty="0" smtClean="0"/>
+              <a:rPr lang="en-GB" dirty="0"/>
               <a:t>Working out the average number of turns it takes to play a game of snakes and ladders.</a:t>
             </a:r>
           </a:p>
@@ -8462,7 +8387,7 @@
           </a:p>
           <a:p>
             <a:r>
-              <a:rPr lang="en-GB" dirty="0" smtClean="0"/>
+              <a:rPr lang="en-GB" dirty="0"/>
               <a:t>Today we will work through this together.</a:t>
             </a:r>
           </a:p>
@@ -8478,13 +8403,6 @@
   <p:clrMapOvr>
     <a:masterClrMapping/>
   </p:clrMapOvr>
-  <p:timing>
-    <p:tnLst>
-      <p:par>
-        <p:cTn id="1" dur="indefinite" restart="never" nodeType="tmRoot"/>
-      </p:par>
-    </p:tnLst>
-  </p:timing>
 </p:sld>
 </file>
 
@@ -8521,10 +8439,9 @@
           <a:lstStyle/>
           <a:p>
             <a:r>
-              <a:rPr lang="en-GB" dirty="0" smtClean="0"/>
+              <a:rPr lang="en-GB" dirty="0"/>
               <a:t>Analysis of the problem.</a:t>
             </a:r>
-            <a:endParaRPr lang="en-GB" dirty="0"/>
           </a:p>
         </p:txBody>
       </p:sp>
@@ -8544,8 +8461,8 @@
           <a:lstStyle/>
           <a:p>
             <a:r>
-              <a:rPr lang="en-GB" dirty="0" smtClean="0"/>
-              <a:t>A game of snakes and ladders consists of a player.</a:t>
+              <a:rPr lang="en-GB" dirty="0"/>
+              <a:t>A game of snakes and ladders consists of a player:-</a:t>
             </a:r>
           </a:p>
           <a:p>
@@ -8573,11 +8490,7 @@
             <a:pPr lvl="1"/>
             <a:r>
               <a:rPr lang="en-GB" dirty="0"/>
-              <a:t>If they land at the head of a snake, they slide down it</a:t>
-            </a:r>
-            <a:r>
-              <a:rPr lang="en-GB" dirty="0" smtClean="0"/>
-              <a:t>.</a:t>
+              <a:t>If they land at the head of a snake, they slide down it.</a:t>
             </a:r>
           </a:p>
         </p:txBody>
@@ -8628,10 +8541,9 @@
           <a:lstStyle/>
           <a:p>
             <a:r>
-              <a:rPr lang="en-GB" dirty="0" smtClean="0"/>
+              <a:rPr lang="en-GB" dirty="0"/>
               <a:t>Rules of the Game.</a:t>
             </a:r>
-            <a:endParaRPr lang="en-GB" dirty="0"/>
           </a:p>
         </p:txBody>
       </p:sp>
@@ -8651,34 +8563,34 @@
           <a:lstStyle/>
           <a:p>
             <a:r>
-              <a:rPr lang="en-GB" dirty="0" smtClean="0"/>
+              <a:rPr lang="en-GB" dirty="0"/>
               <a:t>There are several variations in the rules of Snakes and Ladders.</a:t>
             </a:r>
           </a:p>
           <a:p>
             <a:r>
-              <a:rPr lang="en-GB" dirty="0" smtClean="0"/>
+              <a:rPr lang="en-GB" dirty="0"/>
               <a:t>To start with, we shall use these rules :-</a:t>
             </a:r>
           </a:p>
           <a:p>
             <a:pPr lvl="1"/>
             <a:r>
-              <a:rPr lang="en-GB" dirty="0" smtClean="0"/>
+              <a:rPr lang="en-GB" dirty="0"/>
               <a:t>You don't get another turn if you roll a 6.</a:t>
             </a:r>
           </a:p>
           <a:p>
             <a:pPr lvl="1"/>
             <a:r>
-              <a:rPr lang="en-GB" dirty="0" smtClean="0"/>
+              <a:rPr lang="en-GB" dirty="0"/>
               <a:t>If you would move past the last square on the board, you win the game.</a:t>
             </a:r>
           </a:p>
           <a:p>
             <a:pPr lvl="2"/>
             <a:r>
-              <a:rPr lang="en-GB" dirty="0" smtClean="0"/>
+              <a:rPr lang="en-GB" dirty="0"/>
               <a:t>(You don't need to exactly land on 30).</a:t>
             </a:r>
           </a:p>
@@ -8688,7 +8600,7 @@
           </a:p>
           <a:p>
             <a:r>
-              <a:rPr lang="en-GB" dirty="0" smtClean="0"/>
+              <a:rPr lang="en-GB" dirty="0"/>
               <a:t>We shall use the board shown on the next stage.</a:t>
             </a:r>
           </a:p>
@@ -8740,10 +8652,9 @@
           <a:lstStyle/>
           <a:p>
             <a:r>
-              <a:rPr lang="en-GB" dirty="0" smtClean="0"/>
+              <a:rPr lang="en-GB" dirty="0"/>
               <a:t>Board</a:t>
             </a:r>
-            <a:endParaRPr lang="en-GB" dirty="0"/>
           </a:p>
         </p:txBody>
       </p:sp>
@@ -8839,10 +8750,9 @@
           <a:lstStyle/>
           <a:p>
             <a:r>
-              <a:rPr lang="en-GB" sz="3200" dirty="0" smtClean="0"/>
+              <a:rPr lang="en-GB" sz="3200" dirty="0"/>
               <a:t>How should we roll a dice ?</a:t>
             </a:r>
-            <a:endParaRPr lang="en-GB" sz="3200" dirty="0"/>
           </a:p>
         </p:txBody>
       </p:sp>
@@ -8954,10 +8864,9 @@
           <a:lstStyle/>
           <a:p>
             <a:r>
-              <a:rPr lang="en-GB" dirty="0" smtClean="0"/>
+              <a:rPr lang="en-GB" dirty="0"/>
               <a:t>Example 1.</a:t>
             </a:r>
-            <a:endParaRPr lang="en-GB" dirty="0"/>
           </a:p>
         </p:txBody>
       </p:sp>
@@ -9349,7 +9258,7 @@
               <a:buNone/>
             </a:pPr>
             <a:r>
-              <a:rPr lang="en-GB" sz="1400" dirty="0" smtClean="0">
+              <a:rPr lang="en-GB" sz="1400" dirty="0">
                 <a:solidFill>
                   <a:srgbClr val="FFFF00"/>
                 </a:solidFill>
@@ -9412,10 +9321,9 @@
           <a:lstStyle/>
           <a:p>
             <a:r>
-              <a:rPr lang="en-GB" sz="3200" dirty="0" smtClean="0"/>
+              <a:rPr lang="en-GB" sz="3200" dirty="0"/>
               <a:t>Representing the board.</a:t>
             </a:r>
-            <a:endParaRPr lang="en-GB" sz="3200" dirty="0"/>
           </a:p>
         </p:txBody>
       </p:sp>
@@ -9442,13 +9350,13 @@
           <a:lstStyle/>
           <a:p>
             <a:r>
-              <a:rPr lang="en-GB" dirty="0" smtClean="0"/>
+              <a:rPr lang="en-GB" dirty="0"/>
               <a:t>Most of the time a player lands on a square, they remain on the square.</a:t>
             </a:r>
           </a:p>
           <a:p>
             <a:r>
-              <a:rPr lang="en-GB" dirty="0" smtClean="0"/>
+              <a:rPr lang="en-GB" dirty="0"/>
               <a:t>Sometimes though, they go up a ladder or down a snake.</a:t>
             </a:r>
           </a:p>
@@ -9457,28 +9365,28 @@
           </a:p>
           <a:p>
             <a:r>
-              <a:rPr lang="en-GB" dirty="0" smtClean="0"/>
+              <a:rPr lang="en-GB" dirty="0"/>
               <a:t>Model this as a dictionary, with the key being the square they land on after the roll, and the value being :-</a:t>
             </a:r>
           </a:p>
           <a:p>
             <a:pPr lvl="1"/>
             <a:r>
-              <a:rPr lang="en-GB" dirty="0" smtClean="0"/>
+              <a:rPr lang="en-GB" dirty="0"/>
               <a:t>The same if they don't slide.</a:t>
             </a:r>
           </a:p>
           <a:p>
             <a:pPr lvl="1"/>
             <a:r>
-              <a:rPr lang="en-GB" dirty="0" smtClean="0"/>
+              <a:rPr lang="en-GB" dirty="0"/>
               <a:t>The top of the ladder if they climb one.</a:t>
             </a:r>
           </a:p>
           <a:p>
             <a:pPr lvl="1"/>
             <a:r>
-              <a:rPr lang="en-GB" dirty="0" smtClean="0"/>
+              <a:rPr lang="en-GB" dirty="0"/>
               <a:t>The bottom of the snake if they slide down one. </a:t>
             </a:r>
           </a:p>
@@ -9542,10 +9450,9 @@
           <a:lstStyle/>
           <a:p>
             <a:r>
-              <a:rPr lang="en-GB" sz="3200" dirty="0" smtClean="0"/>
+              <a:rPr lang="en-GB" sz="3200" dirty="0"/>
               <a:t>Hint.</a:t>
             </a:r>
-            <a:endParaRPr lang="en-GB" sz="3200" dirty="0"/>
           </a:p>
         </p:txBody>
       </p:sp>
@@ -9572,21 +9479,21 @@
           <a:lstStyle/>
           <a:p>
             <a:r>
-              <a:rPr lang="en-GB" dirty="0" smtClean="0"/>
+              <a:rPr lang="en-GB" dirty="0"/>
               <a:t>Instead of writing all 30 squares :-</a:t>
             </a:r>
           </a:p>
           <a:p>
             <a:pPr lvl="1"/>
             <a:r>
-              <a:rPr lang="en-GB" dirty="0" smtClean="0"/>
+              <a:rPr lang="en-GB" dirty="0"/>
               <a:t>Fill in 1 to 30 with the same number.</a:t>
             </a:r>
           </a:p>
           <a:p>
             <a:pPr lvl="1"/>
             <a:r>
-              <a:rPr lang="en-GB" dirty="0" smtClean="0"/>
+              <a:rPr lang="en-GB" dirty="0"/>
               <a:t>Then replace the keys for the snakes and the ladders.</a:t>
             </a:r>
           </a:p>

--- a/week9/week9.pptx
+++ b/week9/week9.pptx
@@ -347,7 +347,7 @@
           <a:p>
             <a:fld id="{4AAD347D-5ACD-4C99-B74B-A9C85AD731AF}" type="datetimeFigureOut">
               <a:rPr lang="en-US" dirty="0"/>
-              <a:t>9/16/2018</a:t>
+              <a:t>9/22/2018</a:t>
             </a:fld>
             <a:endParaRPr lang="en-US" dirty="0"/>
           </a:p>
@@ -617,7 +617,7 @@
           <a:p>
             <a:fld id="{4509A250-FF31-4206-8172-F9D3106AACB1}" type="datetimeFigureOut">
               <a:rPr lang="en-US" dirty="0"/>
-              <a:t>9/16/2018</a:t>
+              <a:t>9/22/2018</a:t>
             </a:fld>
             <a:endParaRPr lang="en-US" dirty="0"/>
           </a:p>
@@ -806,7 +806,7 @@
           <a:p>
             <a:fld id="{4509A250-FF31-4206-8172-F9D3106AACB1}" type="datetimeFigureOut">
               <a:rPr lang="en-US" dirty="0"/>
-              <a:t>9/16/2018</a:t>
+              <a:t>9/22/2018</a:t>
             </a:fld>
             <a:endParaRPr lang="en-US" dirty="0"/>
           </a:p>
@@ -1074,7 +1074,7 @@
           <a:p>
             <a:fld id="{4509A250-FF31-4206-8172-F9D3106AACB1}" type="datetimeFigureOut">
               <a:rPr lang="en-US" dirty="0"/>
-              <a:t>9/16/2018</a:t>
+              <a:t>9/22/2018</a:t>
             </a:fld>
             <a:endParaRPr lang="en-US" dirty="0"/>
           </a:p>
@@ -1410,7 +1410,7 @@
           <a:p>
             <a:fld id="{4509A250-FF31-4206-8172-F9D3106AACB1}" type="datetimeFigureOut">
               <a:rPr lang="en-US" dirty="0"/>
-              <a:t>9/16/2018</a:t>
+              <a:t>9/22/2018</a:t>
             </a:fld>
             <a:endParaRPr lang="en-US" dirty="0"/>
           </a:p>
@@ -2028,7 +2028,7 @@
           <a:p>
             <a:fld id="{4509A250-FF31-4206-8172-F9D3106AACB1}" type="datetimeFigureOut">
               <a:rPr lang="en-US" dirty="0"/>
-              <a:t>9/16/2018</a:t>
+              <a:t>9/22/2018</a:t>
             </a:fld>
             <a:endParaRPr lang="en-US" dirty="0"/>
           </a:p>
@@ -2883,7 +2883,7 @@
           <a:p>
             <a:fld id="{4509A250-FF31-4206-8172-F9D3106AACB1}" type="datetimeFigureOut">
               <a:rPr lang="en-US" dirty="0"/>
-              <a:t>9/16/2018</a:t>
+              <a:t>9/22/2018</a:t>
             </a:fld>
             <a:endParaRPr lang="en-US" dirty="0"/>
           </a:p>
@@ -3048,7 +3048,7 @@
           <a:p>
             <a:fld id="{4509A250-FF31-4206-8172-F9D3106AACB1}" type="datetimeFigureOut">
               <a:rPr lang="en-US" dirty="0"/>
-              <a:t>9/16/2018</a:t>
+              <a:t>9/22/2018</a:t>
             </a:fld>
             <a:endParaRPr lang="en-US" dirty="0"/>
           </a:p>
@@ -3223,7 +3223,7 @@
           <a:p>
             <a:fld id="{4509A250-FF31-4206-8172-F9D3106AACB1}" type="datetimeFigureOut">
               <a:rPr lang="en-US" dirty="0"/>
-              <a:t>9/16/2018</a:t>
+              <a:t>9/22/2018</a:t>
             </a:fld>
             <a:endParaRPr lang="en-US" dirty="0"/>
           </a:p>
@@ -3388,7 +3388,7 @@
           <a:p>
             <a:fld id="{4509A250-FF31-4206-8172-F9D3106AACB1}" type="datetimeFigureOut">
               <a:rPr lang="en-US" dirty="0"/>
-              <a:t>9/16/2018</a:t>
+              <a:t>9/22/2018</a:t>
             </a:fld>
             <a:endParaRPr lang="en-US" dirty="0"/>
           </a:p>
@@ -3630,7 +3630,7 @@
           <a:p>
             <a:fld id="{9796027F-7875-4030-9381-8BD8C4F21935}" type="datetimeFigureOut">
               <a:rPr lang="en-US" dirty="0"/>
-              <a:t>9/16/2018</a:t>
+              <a:t>9/22/2018</a:t>
             </a:fld>
             <a:endParaRPr lang="en-US" dirty="0"/>
           </a:p>
@@ -3917,7 +3917,7 @@
           <a:p>
             <a:fld id="{9796027F-7875-4030-9381-8BD8C4F21935}" type="datetimeFigureOut">
               <a:rPr lang="en-US" dirty="0"/>
-              <a:t>9/16/2018</a:t>
+              <a:t>9/22/2018</a:t>
             </a:fld>
             <a:endParaRPr lang="en-US" dirty="0"/>
           </a:p>
@@ -4356,7 +4356,7 @@
           <a:p>
             <a:fld id="{9796027F-7875-4030-9381-8BD8C4F21935}" type="datetimeFigureOut">
               <a:rPr lang="en-US" dirty="0"/>
-              <a:t>9/16/2018</a:t>
+              <a:t>9/22/2018</a:t>
             </a:fld>
             <a:endParaRPr lang="en-US" dirty="0"/>
           </a:p>
@@ -4469,7 +4469,7 @@
           <a:p>
             <a:fld id="{4509A250-FF31-4206-8172-F9D3106AACB1}" type="datetimeFigureOut">
               <a:rPr lang="en-US" dirty="0"/>
-              <a:t>9/16/2018</a:t>
+              <a:t>9/22/2018</a:t>
             </a:fld>
             <a:endParaRPr lang="en-US" dirty="0"/>
           </a:p>
@@ -4559,7 +4559,7 @@
           <a:p>
             <a:fld id="{4509A250-FF31-4206-8172-F9D3106AACB1}" type="datetimeFigureOut">
               <a:rPr lang="en-US" dirty="0"/>
-              <a:t>9/16/2018</a:t>
+              <a:t>9/22/2018</a:t>
             </a:fld>
             <a:endParaRPr lang="en-US" dirty="0"/>
           </a:p>
@@ -4833,7 +4833,7 @@
           <a:p>
             <a:fld id="{4509A250-FF31-4206-8172-F9D3106AACB1}" type="datetimeFigureOut">
               <a:rPr lang="en-US" dirty="0"/>
-              <a:t>9/16/2018</a:t>
+              <a:t>9/22/2018</a:t>
             </a:fld>
             <a:endParaRPr lang="en-US" dirty="0"/>
           </a:p>
@@ -5103,7 +5103,7 @@
           <a:p>
             <a:fld id="{4509A250-FF31-4206-8172-F9D3106AACB1}" type="datetimeFigureOut">
               <a:rPr lang="en-US" dirty="0"/>
-              <a:t>9/16/2018</a:t>
+              <a:t>9/22/2018</a:t>
             </a:fld>
             <a:endParaRPr lang="en-US" dirty="0"/>
           </a:p>
@@ -5527,7 +5527,7 @@
           <a:p>
             <a:fld id="{4AAD347D-5ACD-4C99-B74B-A9C85AD731AF}" type="datetimeFigureOut">
               <a:rPr lang="en-US" dirty="0"/>
-              <a:t>9/16/2018</a:t>
+              <a:t>9/22/2018</a:t>
             </a:fld>
             <a:endParaRPr lang="en-US" dirty="0"/>
           </a:p>
@@ -7187,7 +7187,21 @@
           <a:p>
             <a:r>
               <a:rPr lang="en-GB" dirty="0"/>
-              <a:t>The player rolls a dice and moves forward that many squares.</a:t>
+              <a:t>The player rolls </a:t>
+            </a:r>
+            <a:r>
+              <a:rPr lang="en-GB"/>
+              <a:t>a die </a:t>
+            </a:r>
+            <a:r>
+              <a:rPr lang="en-GB" dirty="0"/>
+              <a:t>and moves forward that many squares.</a:t>
+            </a:r>
+          </a:p>
+          <a:p>
+            <a:r>
+              <a:rPr lang="en-GB" dirty="0"/>
+              <a:t>Add one to the number of turns the player has taken.</a:t>
             </a:r>
           </a:p>
           <a:p>
@@ -7207,12 +7221,6 @@
             <a:r>
               <a:rPr lang="en-GB" dirty="0"/>
               <a:t>If they haven't won, they climb ladders or slide down snakes.</a:t>
-            </a:r>
-          </a:p>
-          <a:p>
-            <a:r>
-              <a:rPr lang="en-GB" dirty="0"/>
-              <a:t>Add one to the number of turns the player has taken.</a:t>
             </a:r>
           </a:p>
           <a:p>
@@ -7623,7 +7631,7 @@
                   <a:srgbClr val="FFFF00"/>
                 </a:solidFill>
               </a:rPr>
-              <a:t>Restructure example5 so it plays the game ten thousand </a:t>
+              <a:t>Restructure example5 so it plays the game ten thousand times </a:t>
             </a:r>
           </a:p>
           <a:p>
